--- a/LBS_SMPL/LBS_SMPL.pptx
+++ b/LBS_SMPL/LBS_SMPL.pptx
@@ -11,6 +11,10 @@
     <p:sldId id="498" r:id="rId5"/>
     <p:sldId id="505" r:id="rId6"/>
     <p:sldId id="504" r:id="rId7"/>
+    <p:sldId id="506" r:id="rId8"/>
+    <p:sldId id="508" r:id="rId9"/>
+    <p:sldId id="509" r:id="rId10"/>
+    <p:sldId id="507" r:id="rId11"/>
   </p:sldIdLst>
   <p:sldSz cx="12192000" cy="6858000"/>
   <p:notesSz cx="6858000" cy="9144000"/>
@@ -8026,7 +8030,7 @@
           <a:lstStyle/>
           <a:p>
             <a:r>
-              <a:rPr lang="en-US" altLang="zh-CN" sz="2000" b="1">
+              <a:rPr lang="en-US" altLang="zh-CN" sz="2000" b="1" dirty="0">
                 <a:latin typeface="Times New Roman" panose="02020603050405020304" pitchFamily="18" charset="0"/>
                 <a:cs typeface="Times New Roman" panose="02020603050405020304" pitchFamily="18" charset="0"/>
               </a:rPr>
@@ -8146,8 +8150,735 @@
         </p:blipFill>
         <p:spPr>
           <a:xfrm>
-            <a:off x="7818845" y="717426"/>
-            <a:ext cx="2902099" cy="4813547"/>
+            <a:off x="8209533" y="1088064"/>
+            <a:ext cx="2822712" cy="4681872"/>
+          </a:xfrm>
+          <a:prstGeom prst="rect">
+            <a:avLst/>
+          </a:prstGeom>
+        </p:spPr>
+      </p:pic>
+      <p:sp>
+        <p:nvSpPr>
+          <p:cNvPr id="15" name="Rectangle 3">
+            <a:extLst>
+              <a:ext uri="{FF2B5EF4-FFF2-40B4-BE49-F238E27FC236}">
+                <a16:creationId xmlns:a16="http://schemas.microsoft.com/office/drawing/2014/main" id="{02A41375-FF29-47E9-2023-26F41A32908D}"/>
+              </a:ext>
+            </a:extLst>
+          </p:cNvPr>
+          <p:cNvSpPr txBox="1">
+            <a:spLocks noChangeArrowheads="1"/>
+          </p:cNvSpPr>
+          <p:nvPr/>
+        </p:nvSpPr>
+        <p:spPr bwMode="auto">
+          <a:xfrm>
+            <a:off x="1080053" y="4083173"/>
+            <a:ext cx="5844208" cy="2600999"/>
+          </a:xfrm>
+          <a:prstGeom prst="rect">
+            <a:avLst/>
+          </a:prstGeom>
+          <a:noFill/>
+          <a:ln>
+            <a:solidFill>
+              <a:srgbClr val="FFFFFF"/>
+            </a:solidFill>
+            <a:miter lim="800000"/>
+            <a:headEnd/>
+            <a:tailEnd/>
+          </a:ln>
+          <a:extLst>
+            <a:ext uri="{909E8E84-426E-40DD-AFC4-6F175D3DCCD1}">
+              <a14:hiddenFill xmlns:a14="http://schemas.microsoft.com/office/drawing/2010/main">
+                <a:solidFill>
+                  <a:srgbClr val="FFFFFF"/>
+                </a:solidFill>
+              </a14:hiddenFill>
+            </a:ext>
+          </a:extLst>
+        </p:spPr>
+        <p:txBody>
+          <a:bodyPr vert="horz" wrap="square" lIns="91440" tIns="45720" rIns="91440" bIns="45720" numCol="1" anchor="t" anchorCtr="0" compatLnSpc="1">
+            <a:prstTxWarp prst="textNoShape">
+              <a:avLst/>
+            </a:prstTxWarp>
+          </a:bodyPr>
+          <a:lstStyle>
+            <a:lvl1pPr marL="342900" indent="-342900" algn="l" rtl="0" fontAlgn="base">
+              <a:spcBef>
+                <a:spcPct val="20000"/>
+              </a:spcBef>
+              <a:spcAft>
+                <a:spcPct val="0"/>
+              </a:spcAft>
+              <a:buFont typeface="Arial" panose="020B0604020202020204" pitchFamily="34" charset="0"/>
+              <a:buChar char="•"/>
+              <a:defRPr sz="2800" kern="1200">
+                <a:solidFill>
+                  <a:schemeClr val="tx1"/>
+                </a:solidFill>
+                <a:latin typeface="+mn-lt"/>
+                <a:ea typeface="+mn-ea"/>
+                <a:cs typeface="+mn-cs"/>
+              </a:defRPr>
+            </a:lvl1pPr>
+            <a:lvl2pPr marL="742950" indent="-285750" algn="l" rtl="0" fontAlgn="base">
+              <a:spcBef>
+                <a:spcPct val="20000"/>
+              </a:spcBef>
+              <a:spcAft>
+                <a:spcPct val="0"/>
+              </a:spcAft>
+              <a:buFont typeface="Arial" panose="020B0604020202020204" pitchFamily="34" charset="0"/>
+              <a:buChar char="–"/>
+              <a:defRPr sz="2400" kern="1200">
+                <a:solidFill>
+                  <a:schemeClr val="tx1"/>
+                </a:solidFill>
+                <a:latin typeface="+mn-lt"/>
+                <a:ea typeface="+mn-ea"/>
+                <a:cs typeface="+mn-cs"/>
+              </a:defRPr>
+            </a:lvl2pPr>
+            <a:lvl3pPr marL="1143000" indent="-228600" algn="l" rtl="0" fontAlgn="base">
+              <a:spcBef>
+                <a:spcPct val="20000"/>
+              </a:spcBef>
+              <a:spcAft>
+                <a:spcPct val="0"/>
+              </a:spcAft>
+              <a:buFont typeface="Arial" panose="020B0604020202020204" pitchFamily="34" charset="0"/>
+              <a:buChar char="•"/>
+              <a:defRPr sz="2000" kern="1200">
+                <a:solidFill>
+                  <a:schemeClr val="tx1"/>
+                </a:solidFill>
+                <a:latin typeface="+mn-lt"/>
+                <a:ea typeface="+mn-ea"/>
+                <a:cs typeface="+mn-cs"/>
+              </a:defRPr>
+            </a:lvl3pPr>
+            <a:lvl4pPr marL="1600200" indent="-228600" algn="l" rtl="0" fontAlgn="base">
+              <a:spcBef>
+                <a:spcPct val="20000"/>
+              </a:spcBef>
+              <a:spcAft>
+                <a:spcPct val="0"/>
+              </a:spcAft>
+              <a:buFont typeface="Arial" panose="020B0604020202020204" pitchFamily="34" charset="0"/>
+              <a:buChar char="–"/>
+              <a:defRPr kern="1200">
+                <a:solidFill>
+                  <a:schemeClr val="tx1"/>
+                </a:solidFill>
+                <a:latin typeface="+mn-lt"/>
+                <a:ea typeface="+mn-ea"/>
+                <a:cs typeface="+mn-cs"/>
+              </a:defRPr>
+            </a:lvl4pPr>
+            <a:lvl5pPr marL="2057400" indent="-228600" algn="l" rtl="0" fontAlgn="base">
+              <a:spcBef>
+                <a:spcPct val="20000"/>
+              </a:spcBef>
+              <a:spcAft>
+                <a:spcPct val="0"/>
+              </a:spcAft>
+              <a:buFont typeface="Arial" panose="020B0604020202020204" pitchFamily="34" charset="0"/>
+              <a:buChar char="»"/>
+              <a:defRPr kern="1200">
+                <a:solidFill>
+                  <a:schemeClr val="tx1"/>
+                </a:solidFill>
+                <a:latin typeface="+mn-lt"/>
+                <a:ea typeface="+mn-ea"/>
+                <a:cs typeface="+mn-cs"/>
+              </a:defRPr>
+            </a:lvl5pPr>
+            <a:lvl6pPr marL="2514600" indent="-228600" algn="l" defTabSz="914400" rtl="0" eaLnBrk="1" latinLnBrk="0" hangingPunct="1">
+              <a:spcBef>
+                <a:spcPct val="20000"/>
+              </a:spcBef>
+              <a:buFont typeface="Arial" pitchFamily="34" charset="0"/>
+              <a:buChar char="•"/>
+              <a:defRPr sz="2000" kern="1200">
+                <a:solidFill>
+                  <a:schemeClr val="tx1"/>
+                </a:solidFill>
+                <a:latin typeface="+mn-lt"/>
+                <a:ea typeface="+mn-ea"/>
+                <a:cs typeface="+mn-cs"/>
+              </a:defRPr>
+            </a:lvl6pPr>
+            <a:lvl7pPr marL="2971800" indent="-228600" algn="l" defTabSz="914400" rtl="0" eaLnBrk="1" latinLnBrk="0" hangingPunct="1">
+              <a:spcBef>
+                <a:spcPct val="20000"/>
+              </a:spcBef>
+              <a:buFont typeface="Arial" pitchFamily="34" charset="0"/>
+              <a:buChar char="•"/>
+              <a:defRPr sz="2000" kern="1200">
+                <a:solidFill>
+                  <a:schemeClr val="tx1"/>
+                </a:solidFill>
+                <a:latin typeface="+mn-lt"/>
+                <a:ea typeface="+mn-ea"/>
+                <a:cs typeface="+mn-cs"/>
+              </a:defRPr>
+            </a:lvl7pPr>
+            <a:lvl8pPr marL="3429000" indent="-228600" algn="l" defTabSz="914400" rtl="0" eaLnBrk="1" latinLnBrk="0" hangingPunct="1">
+              <a:spcBef>
+                <a:spcPct val="20000"/>
+              </a:spcBef>
+              <a:buFont typeface="Arial" pitchFamily="34" charset="0"/>
+              <a:buChar char="•"/>
+              <a:defRPr sz="2000" kern="1200">
+                <a:solidFill>
+                  <a:schemeClr val="tx1"/>
+                </a:solidFill>
+                <a:latin typeface="+mn-lt"/>
+                <a:ea typeface="+mn-ea"/>
+                <a:cs typeface="+mn-cs"/>
+              </a:defRPr>
+            </a:lvl8pPr>
+            <a:lvl9pPr marL="3886200" indent="-228600" algn="l" defTabSz="914400" rtl="0" eaLnBrk="1" latinLnBrk="0" hangingPunct="1">
+              <a:spcBef>
+                <a:spcPct val="20000"/>
+              </a:spcBef>
+              <a:buFont typeface="Arial" pitchFamily="34" charset="0"/>
+              <a:buChar char="•"/>
+              <a:defRPr sz="2000" kern="1200">
+                <a:solidFill>
+                  <a:schemeClr val="tx1"/>
+                </a:solidFill>
+                <a:latin typeface="+mn-lt"/>
+                <a:ea typeface="+mn-ea"/>
+                <a:cs typeface="+mn-cs"/>
+              </a:defRPr>
+            </a:lvl9pPr>
+          </a:lstStyle>
+          <a:p>
+            <a:pPr marL="342900" marR="0" lvl="0" indent="-342900" algn="l" defTabSz="914400" rtl="0" eaLnBrk="1" fontAlgn="base" latinLnBrk="0" hangingPunct="1">
+              <a:lnSpc>
+                <a:spcPct val="100000"/>
+              </a:lnSpc>
+              <a:spcBef>
+                <a:spcPct val="20000"/>
+              </a:spcBef>
+              <a:spcAft>
+                <a:spcPct val="0"/>
+              </a:spcAft>
+              <a:buClrTx/>
+              <a:buSzTx/>
+              <a:buFont typeface="Wingdings" panose="05000000000000000000" pitchFamily="2" charset="2"/>
+              <a:buNone/>
+              <a:tabLst/>
+              <a:defRPr/>
+            </a:pPr>
+            <a:r>
+              <a:rPr kumimoji="0" lang="en-US" altLang="zh-CN" sz="2400" b="0" i="0" u="none" strike="noStrike" kern="1200" cap="none" spc="0" normalizeH="0" baseline="0" noProof="0" dirty="0">
+                <a:ln>
+                  <a:noFill/>
+                </a:ln>
+                <a:solidFill>
+                  <a:srgbClr val="1F497D"/>
+                </a:solidFill>
+                <a:effectLst/>
+                <a:uLnTx/>
+                <a:uFillTx/>
+                <a:latin typeface="Calibri"/>
+                <a:ea typeface="宋体" panose="02010600030101010101" pitchFamily="2" charset="-122"/>
+                <a:cs typeface="+mn-cs"/>
+              </a:rPr>
+              <a:t>Where:</a:t>
+            </a:r>
+          </a:p>
+          <a:p>
+            <a:pPr marL="342900" marR="0" lvl="0" indent="-342900" algn="l" defTabSz="914400" rtl="0" eaLnBrk="1" fontAlgn="base" latinLnBrk="0" hangingPunct="1">
+              <a:lnSpc>
+                <a:spcPct val="100000"/>
+              </a:lnSpc>
+              <a:spcBef>
+                <a:spcPct val="20000"/>
+              </a:spcBef>
+              <a:spcAft>
+                <a:spcPct val="0"/>
+              </a:spcAft>
+              <a:buClrTx/>
+              <a:buSzTx/>
+              <a:buFont typeface="Wingdings" panose="05000000000000000000" pitchFamily="2" charset="2"/>
+              <a:buNone/>
+              <a:tabLst/>
+              <a:defRPr/>
+            </a:pPr>
+            <a:r>
+              <a:rPr kumimoji="0" lang="en-US" altLang="zh-CN" sz="2400" b="0" i="0" u="none" strike="noStrike" kern="1200" cap="none" spc="0" normalizeH="0" baseline="0" noProof="0" dirty="0">
+                <a:ln>
+                  <a:noFill/>
+                </a:ln>
+                <a:solidFill>
+                  <a:srgbClr val="1F497D"/>
+                </a:solidFill>
+                <a:effectLst/>
+                <a:uLnTx/>
+                <a:uFillTx/>
+                <a:latin typeface="Calibri"/>
+                <a:ea typeface="宋体" panose="02010600030101010101" pitchFamily="2" charset="-122"/>
+                <a:cs typeface="+mn-cs"/>
+              </a:rPr>
+              <a:t>		is the number of matrices.</a:t>
+            </a:r>
+          </a:p>
+          <a:p>
+            <a:pPr marL="342900" marR="0" lvl="0" indent="-342900" algn="l" defTabSz="914400" rtl="0" eaLnBrk="1" fontAlgn="base" latinLnBrk="0" hangingPunct="1">
+              <a:lnSpc>
+                <a:spcPct val="100000"/>
+              </a:lnSpc>
+              <a:spcBef>
+                <a:spcPct val="20000"/>
+              </a:spcBef>
+              <a:spcAft>
+                <a:spcPct val="0"/>
+              </a:spcAft>
+              <a:buClrTx/>
+              <a:buSzTx/>
+              <a:buFont typeface="Wingdings" panose="05000000000000000000" pitchFamily="2" charset="2"/>
+              <a:buNone/>
+              <a:tabLst/>
+              <a:defRPr/>
+            </a:pPr>
+            <a:r>
+              <a:rPr kumimoji="0" lang="en-US" altLang="zh-CN" sz="2400" b="0" i="0" u="none" strike="noStrike" kern="1200" cap="none" spc="0" normalizeH="0" baseline="0" noProof="0" dirty="0">
+                <a:ln>
+                  <a:noFill/>
+                </a:ln>
+                <a:solidFill>
+                  <a:srgbClr val="1F497D"/>
+                </a:solidFill>
+                <a:effectLst/>
+                <a:uLnTx/>
+                <a:uFillTx/>
+                <a:latin typeface="Calibri"/>
+                <a:ea typeface="宋体" panose="02010600030101010101" pitchFamily="2" charset="-122"/>
+                <a:cs typeface="+mn-cs"/>
+              </a:rPr>
+              <a:t>		is the vertex position.</a:t>
+            </a:r>
+          </a:p>
+          <a:p>
+            <a:pPr marL="342900" marR="0" lvl="0" indent="-342900" algn="l" defTabSz="914400" rtl="0" eaLnBrk="1" fontAlgn="base" latinLnBrk="0" hangingPunct="1">
+              <a:lnSpc>
+                <a:spcPct val="100000"/>
+              </a:lnSpc>
+              <a:spcBef>
+                <a:spcPct val="20000"/>
+              </a:spcBef>
+              <a:spcAft>
+                <a:spcPct val="0"/>
+              </a:spcAft>
+              <a:buClrTx/>
+              <a:buSzTx/>
+              <a:buFont typeface="Wingdings" panose="05000000000000000000" pitchFamily="2" charset="2"/>
+              <a:buNone/>
+              <a:tabLst/>
+              <a:defRPr/>
+            </a:pPr>
+            <a:r>
+              <a:rPr kumimoji="0" lang="en-US" altLang="zh-CN" sz="2400" b="0" i="0" u="none" strike="noStrike" kern="1200" cap="none" spc="0" normalizeH="0" baseline="0" noProof="0" dirty="0">
+                <a:ln>
+                  <a:noFill/>
+                </a:ln>
+                <a:solidFill>
+                  <a:srgbClr val="1F497D"/>
+                </a:solidFill>
+                <a:effectLst/>
+                <a:uLnTx/>
+                <a:uFillTx/>
+                <a:latin typeface="Calibri"/>
+                <a:ea typeface="宋体" panose="02010600030101010101" pitchFamily="2" charset="-122"/>
+                <a:cs typeface="+mn-cs"/>
+              </a:rPr>
+              <a:t>		is the weight associated.</a:t>
+            </a:r>
+          </a:p>
+          <a:p>
+            <a:pPr marL="342900" marR="0" lvl="0" indent="-342900" algn="l" defTabSz="914400" rtl="0" eaLnBrk="1" fontAlgn="base" latinLnBrk="0" hangingPunct="1">
+              <a:lnSpc>
+                <a:spcPct val="100000"/>
+              </a:lnSpc>
+              <a:spcBef>
+                <a:spcPct val="20000"/>
+              </a:spcBef>
+              <a:spcAft>
+                <a:spcPct val="0"/>
+              </a:spcAft>
+              <a:buClrTx/>
+              <a:buSzTx/>
+              <a:buFont typeface="Wingdings" panose="05000000000000000000" pitchFamily="2" charset="2"/>
+              <a:buNone/>
+              <a:tabLst/>
+              <a:defRPr/>
+            </a:pPr>
+            <a:r>
+              <a:rPr kumimoji="0" lang="en-US" altLang="zh-CN" sz="2400" b="0" i="0" u="none" strike="noStrike" kern="1200" cap="none" spc="0" normalizeH="0" baseline="0" noProof="0" dirty="0">
+                <a:ln>
+                  <a:noFill/>
+                </a:ln>
+                <a:solidFill>
+                  <a:srgbClr val="1F497D"/>
+                </a:solidFill>
+                <a:effectLst/>
+                <a:uLnTx/>
+                <a:uFillTx/>
+                <a:latin typeface="Calibri"/>
+                <a:ea typeface="宋体" panose="02010600030101010101" pitchFamily="2" charset="-122"/>
+                <a:cs typeface="+mn-cs"/>
+              </a:rPr>
+              <a:t>		is the transformation matrix.</a:t>
+            </a:r>
+          </a:p>
+        </p:txBody>
+      </p:sp>
+      <p:graphicFrame>
+        <p:nvGraphicFramePr>
+          <p:cNvPr id="16" name="Object 3">
+            <a:extLst>
+              <a:ext uri="{FF2B5EF4-FFF2-40B4-BE49-F238E27FC236}">
+                <a16:creationId xmlns:a16="http://schemas.microsoft.com/office/drawing/2014/main" id="{AD2561E4-11F9-223A-65DD-E4101F7EDB7F}"/>
+              </a:ext>
+            </a:extLst>
+          </p:cNvPr>
+          <p:cNvGraphicFramePr>
+            <a:graphicFrameLocks noChangeAspect="1"/>
+          </p:cNvGraphicFramePr>
+          <p:nvPr>
+            <p:extLst>
+              <p:ext uri="{D42A27DB-BD31-4B8C-83A1-F6EECF244321}">
+                <p14:modId xmlns:p14="http://schemas.microsoft.com/office/powerpoint/2010/main" val="2847828423"/>
+              </p:ext>
+            </p:extLst>
+          </p:nvPr>
+        </p:nvGraphicFramePr>
+        <p:xfrm>
+          <a:off x="1575521" y="5075489"/>
+          <a:ext cx="271670" cy="333585"/>
+        </p:xfrm>
+        <a:graphic>
+          <a:graphicData uri="http://schemas.openxmlformats.org/presentationml/2006/ole">
+            <mc:AlternateContent xmlns:mc="http://schemas.openxmlformats.org/markup-compatibility/2006">
+              <mc:Choice xmlns:v="urn:schemas-microsoft-com:vml" Requires="v">
+                <p:oleObj name="Equation" r:id="rId5" imgW="114120" imgH="139680" progId="Equation.3">
+                  <p:embed/>
+                </p:oleObj>
+              </mc:Choice>
+              <mc:Fallback>
+                <p:oleObj name="Equation" r:id="rId5" imgW="114120" imgH="139680" progId="Equation.3">
+                  <p:embed/>
+                  <p:pic>
+                    <p:nvPicPr>
+                      <p:cNvPr id="14339" name="Object 3">
+                        <a:extLst>
+                          <a:ext uri="{FF2B5EF4-FFF2-40B4-BE49-F238E27FC236}">
+                            <a16:creationId xmlns:a16="http://schemas.microsoft.com/office/drawing/2014/main" id="{3A871CAD-25AC-1348-71F3-F09BACBF0361}"/>
+                          </a:ext>
+                        </a:extLst>
+                      </p:cNvPr>
+                      <p:cNvPicPr>
+                        <a:picLocks noChangeAspect="1" noChangeArrowheads="1"/>
+                      </p:cNvPicPr>
+                      <p:nvPr/>
+                    </p:nvPicPr>
+                    <p:blipFill>
+                      <a:blip r:embed="rId6">
+                        <a:extLst>
+                          <a:ext uri="{28A0092B-C50C-407E-A947-70E740481C1C}">
+                            <a14:useLocalDpi xmlns:a14="http://schemas.microsoft.com/office/drawing/2010/main" val="0"/>
+                          </a:ext>
+                        </a:extLst>
+                      </a:blip>
+                      <a:srcRect/>
+                      <a:stretch>
+                        <a:fillRect/>
+                      </a:stretch>
+                    </p:blipFill>
+                    <p:spPr bwMode="auto">
+                      <a:xfrm>
+                        <a:off x="1575521" y="5075489"/>
+                        <a:ext cx="271670" cy="333585"/>
+                      </a:xfrm>
+                      <a:prstGeom prst="rect">
+                        <a:avLst/>
+                      </a:prstGeom>
+                      <a:noFill/>
+                    </p:spPr>
+                  </p:pic>
+                </p:oleObj>
+              </mc:Fallback>
+            </mc:AlternateContent>
+          </a:graphicData>
+        </a:graphic>
+      </p:graphicFrame>
+      <p:graphicFrame>
+        <p:nvGraphicFramePr>
+          <p:cNvPr id="17" name="Object 4">
+            <a:extLst>
+              <a:ext uri="{FF2B5EF4-FFF2-40B4-BE49-F238E27FC236}">
+                <a16:creationId xmlns:a16="http://schemas.microsoft.com/office/drawing/2014/main" id="{CD72D16B-13ED-02EA-AF53-9A9269A66DF2}"/>
+              </a:ext>
+            </a:extLst>
+          </p:cNvPr>
+          <p:cNvGraphicFramePr>
+            <a:graphicFrameLocks noChangeAspect="1"/>
+          </p:cNvGraphicFramePr>
+          <p:nvPr>
+            <p:extLst>
+              <p:ext uri="{D42A27DB-BD31-4B8C-83A1-F6EECF244321}">
+                <p14:modId xmlns:p14="http://schemas.microsoft.com/office/powerpoint/2010/main" val="936903146"/>
+              </p:ext>
+            </p:extLst>
+          </p:nvPr>
+        </p:nvGraphicFramePr>
+        <p:xfrm>
+          <a:off x="1505824" y="5345571"/>
+          <a:ext cx="411063" cy="530087"/>
+        </p:xfrm>
+        <a:graphic>
+          <a:graphicData uri="http://schemas.openxmlformats.org/presentationml/2006/ole">
+            <mc:AlternateContent xmlns:mc="http://schemas.openxmlformats.org/markup-compatibility/2006">
+              <mc:Choice xmlns:v="urn:schemas-microsoft-com:vml" Requires="v">
+                <p:oleObj name="Equation" r:id="rId7" imgW="177480" imgH="228600" progId="Equation.3">
+                  <p:embed/>
+                </p:oleObj>
+              </mc:Choice>
+              <mc:Fallback>
+                <p:oleObj name="Equation" r:id="rId7" imgW="177480" imgH="228600" progId="Equation.3">
+                  <p:embed/>
+                  <p:pic>
+                    <p:nvPicPr>
+                      <p:cNvPr id="14340" name="Object 4">
+                        <a:extLst>
+                          <a:ext uri="{FF2B5EF4-FFF2-40B4-BE49-F238E27FC236}">
+                            <a16:creationId xmlns:a16="http://schemas.microsoft.com/office/drawing/2014/main" id="{ECC69689-0C26-0115-01CD-9FC3BDD87BC1}"/>
+                          </a:ext>
+                        </a:extLst>
+                      </p:cNvPr>
+                      <p:cNvPicPr>
+                        <a:picLocks noChangeAspect="1" noChangeArrowheads="1"/>
+                      </p:cNvPicPr>
+                      <p:nvPr/>
+                    </p:nvPicPr>
+                    <p:blipFill>
+                      <a:blip r:embed="rId8">
+                        <a:extLst>
+                          <a:ext uri="{28A0092B-C50C-407E-A947-70E740481C1C}">
+                            <a14:useLocalDpi xmlns:a14="http://schemas.microsoft.com/office/drawing/2010/main" val="0"/>
+                          </a:ext>
+                        </a:extLst>
+                      </a:blip>
+                      <a:srcRect/>
+                      <a:stretch>
+                        <a:fillRect/>
+                      </a:stretch>
+                    </p:blipFill>
+                    <p:spPr bwMode="auto">
+                      <a:xfrm>
+                        <a:off x="1505824" y="5345571"/>
+                        <a:ext cx="411063" cy="530087"/>
+                      </a:xfrm>
+                      <a:prstGeom prst="rect">
+                        <a:avLst/>
+                      </a:prstGeom>
+                      <a:noFill/>
+                    </p:spPr>
+                  </p:pic>
+                </p:oleObj>
+              </mc:Fallback>
+            </mc:AlternateContent>
+          </a:graphicData>
+        </a:graphic>
+      </p:graphicFrame>
+      <p:graphicFrame>
+        <p:nvGraphicFramePr>
+          <p:cNvPr id="18" name="Object 6">
+            <a:extLst>
+              <a:ext uri="{FF2B5EF4-FFF2-40B4-BE49-F238E27FC236}">
+                <a16:creationId xmlns:a16="http://schemas.microsoft.com/office/drawing/2014/main" id="{0195BC35-DE19-851E-248A-6F86EB9A0F8D}"/>
+              </a:ext>
+            </a:extLst>
+          </p:cNvPr>
+          <p:cNvGraphicFramePr>
+            <a:graphicFrameLocks noChangeAspect="1"/>
+          </p:cNvGraphicFramePr>
+          <p:nvPr>
+            <p:extLst>
+              <p:ext uri="{D42A27DB-BD31-4B8C-83A1-F6EECF244321}">
+                <p14:modId xmlns:p14="http://schemas.microsoft.com/office/powerpoint/2010/main" val="3593754743"/>
+              </p:ext>
+            </p:extLst>
+          </p:nvPr>
+        </p:nvGraphicFramePr>
+        <p:xfrm>
+          <a:off x="1505824" y="5885154"/>
+          <a:ext cx="392669" cy="392669"/>
+        </p:xfrm>
+        <a:graphic>
+          <a:graphicData uri="http://schemas.openxmlformats.org/presentationml/2006/ole">
+            <mc:AlternateContent xmlns:mc="http://schemas.openxmlformats.org/markup-compatibility/2006">
+              <mc:Choice xmlns:v="urn:schemas-microsoft-com:vml" Requires="v">
+                <p:oleObj name="Equation" r:id="rId9" imgW="228600" imgH="228600" progId="Equation.3">
+                  <p:embed/>
+                </p:oleObj>
+              </mc:Choice>
+              <mc:Fallback>
+                <p:oleObj name="Equation" r:id="rId9" imgW="228600" imgH="228600" progId="Equation.3">
+                  <p:embed/>
+                  <p:pic>
+                    <p:nvPicPr>
+                      <p:cNvPr id="14342" name="Object 6">
+                        <a:extLst>
+                          <a:ext uri="{FF2B5EF4-FFF2-40B4-BE49-F238E27FC236}">
+                            <a16:creationId xmlns:a16="http://schemas.microsoft.com/office/drawing/2014/main" id="{02DE0669-0E26-B5AE-E92A-5DA4D07A1E50}"/>
+                          </a:ext>
+                        </a:extLst>
+                      </p:cNvPr>
+                      <p:cNvPicPr>
+                        <a:picLocks noChangeAspect="1" noChangeArrowheads="1"/>
+                      </p:cNvPicPr>
+                      <p:nvPr/>
+                    </p:nvPicPr>
+                    <p:blipFill>
+                      <a:blip r:embed="rId10">
+                        <a:extLst>
+                          <a:ext uri="{28A0092B-C50C-407E-A947-70E740481C1C}">
+                            <a14:useLocalDpi xmlns:a14="http://schemas.microsoft.com/office/drawing/2010/main" val="0"/>
+                          </a:ext>
+                        </a:extLst>
+                      </a:blip>
+                      <a:srcRect/>
+                      <a:stretch>
+                        <a:fillRect/>
+                      </a:stretch>
+                    </p:blipFill>
+                    <p:spPr bwMode="auto">
+                      <a:xfrm>
+                        <a:off x="1505824" y="5885154"/>
+                        <a:ext cx="392669" cy="392669"/>
+                      </a:xfrm>
+                      <a:prstGeom prst="rect">
+                        <a:avLst/>
+                      </a:prstGeom>
+                      <a:noFill/>
+                    </p:spPr>
+                  </p:pic>
+                </p:oleObj>
+              </mc:Fallback>
+            </mc:AlternateContent>
+          </a:graphicData>
+        </a:graphic>
+      </p:graphicFrame>
+      <p:graphicFrame>
+        <p:nvGraphicFramePr>
+          <p:cNvPr id="19" name="Object 7">
+            <a:extLst>
+              <a:ext uri="{FF2B5EF4-FFF2-40B4-BE49-F238E27FC236}">
+                <a16:creationId xmlns:a16="http://schemas.microsoft.com/office/drawing/2014/main" id="{21595340-8301-9776-74A8-EA3E328BE3CC}"/>
+              </a:ext>
+            </a:extLst>
+          </p:cNvPr>
+          <p:cNvGraphicFramePr>
+            <a:graphicFrameLocks noChangeAspect="1"/>
+          </p:cNvGraphicFramePr>
+          <p:nvPr>
+            <p:extLst>
+              <p:ext uri="{D42A27DB-BD31-4B8C-83A1-F6EECF244321}">
+                <p14:modId xmlns:p14="http://schemas.microsoft.com/office/powerpoint/2010/main" val="2456309804"/>
+              </p:ext>
+            </p:extLst>
+          </p:nvPr>
+        </p:nvGraphicFramePr>
+        <p:xfrm>
+          <a:off x="1575521" y="4661023"/>
+          <a:ext cx="287992" cy="316121"/>
+        </p:xfrm>
+        <a:graphic>
+          <a:graphicData uri="http://schemas.openxmlformats.org/presentationml/2006/ole">
+            <mc:AlternateContent xmlns:mc="http://schemas.openxmlformats.org/markup-compatibility/2006">
+              <mc:Choice xmlns:v="urn:schemas-microsoft-com:vml" Requires="v">
+                <p:oleObj name="Equation" r:id="rId11" imgW="126720" imgH="139680" progId="Equation.3">
+                  <p:embed/>
+                </p:oleObj>
+              </mc:Choice>
+              <mc:Fallback>
+                <p:oleObj name="Equation" r:id="rId11" imgW="126720" imgH="139680" progId="Equation.3">
+                  <p:embed/>
+                  <p:pic>
+                    <p:nvPicPr>
+                      <p:cNvPr id="14343" name="Object 7">
+                        <a:extLst>
+                          <a:ext uri="{FF2B5EF4-FFF2-40B4-BE49-F238E27FC236}">
+                            <a16:creationId xmlns:a16="http://schemas.microsoft.com/office/drawing/2014/main" id="{E6528064-FA76-028C-A427-7AF8C5CEA1E5}"/>
+                          </a:ext>
+                        </a:extLst>
+                      </p:cNvPr>
+                      <p:cNvPicPr>
+                        <a:picLocks noChangeAspect="1" noChangeArrowheads="1"/>
+                      </p:cNvPicPr>
+                      <p:nvPr/>
+                    </p:nvPicPr>
+                    <p:blipFill>
+                      <a:blip r:embed="rId12">
+                        <a:extLst>
+                          <a:ext uri="{28A0092B-C50C-407E-A947-70E740481C1C}">
+                            <a14:useLocalDpi xmlns:a14="http://schemas.microsoft.com/office/drawing/2010/main" val="0"/>
+                          </a:ext>
+                        </a:extLst>
+                      </a:blip>
+                      <a:srcRect/>
+                      <a:stretch>
+                        <a:fillRect/>
+                      </a:stretch>
+                    </p:blipFill>
+                    <p:spPr bwMode="auto">
+                      <a:xfrm>
+                        <a:off x="1575521" y="4661023"/>
+                        <a:ext cx="287992" cy="316121"/>
+                      </a:xfrm>
+                      <a:prstGeom prst="rect">
+                        <a:avLst/>
+                      </a:prstGeom>
+                      <a:noFill/>
+                    </p:spPr>
+                  </p:pic>
+                </p:oleObj>
+              </mc:Fallback>
+            </mc:AlternateContent>
+          </a:graphicData>
+        </a:graphic>
+      </p:graphicFrame>
+      <p:pic>
+        <p:nvPicPr>
+          <p:cNvPr id="20" name="图片 19">
+            <a:extLst>
+              <a:ext uri="{FF2B5EF4-FFF2-40B4-BE49-F238E27FC236}">
+                <a16:creationId xmlns:a16="http://schemas.microsoft.com/office/drawing/2014/main" id="{72C7523D-5103-0F24-81DE-80C4A0FE015D}"/>
+              </a:ext>
+            </a:extLst>
+          </p:cNvPr>
+          <p:cNvPicPr>
+            <a:picLocks noChangeAspect="1"/>
+          </p:cNvPicPr>
+          <p:nvPr/>
+        </p:nvPicPr>
+        <p:blipFill>
+          <a:blip r:embed="rId13"/>
+          <a:stretch>
+            <a:fillRect/>
+          </a:stretch>
+        </p:blipFill>
+        <p:spPr>
+          <a:xfrm>
+            <a:off x="1505824" y="3148032"/>
+            <a:ext cx="5210175" cy="800100"/>
           </a:xfrm>
           <a:prstGeom prst="rect">
             <a:avLst/>
@@ -8332,10 +9063,1366 @@
           </a:prstGeom>
         </p:spPr>
       </p:pic>
+      <p:sp>
+        <p:nvSpPr>
+          <p:cNvPr id="4" name="文本框 3">
+            <a:extLst>
+              <a:ext uri="{FF2B5EF4-FFF2-40B4-BE49-F238E27FC236}">
+                <a16:creationId xmlns:a16="http://schemas.microsoft.com/office/drawing/2014/main" id="{5779A598-79AE-8903-2296-9BAA0FBF8986}"/>
+              </a:ext>
+            </a:extLst>
+          </p:cNvPr>
+          <p:cNvSpPr txBox="1"/>
+          <p:nvPr/>
+        </p:nvSpPr>
+        <p:spPr>
+          <a:xfrm>
+            <a:off x="720778" y="1178461"/>
+            <a:ext cx="6096000" cy="1759969"/>
+          </a:xfrm>
+          <a:prstGeom prst="rect">
+            <a:avLst/>
+          </a:prstGeom>
+          <a:noFill/>
+        </p:spPr>
+        <p:txBody>
+          <a:bodyPr wrap="square">
+            <a:spAutoFit/>
+          </a:bodyPr>
+          <a:lstStyle/>
+          <a:p>
+            <a:pPr marL="342900" marR="0" lvl="0" indent="-342900" algn="just" defTabSz="914400" rtl="0" eaLnBrk="1" fontAlgn="base" latinLnBrk="0" hangingPunct="1">
+              <a:lnSpc>
+                <a:spcPct val="150000"/>
+              </a:lnSpc>
+              <a:spcBef>
+                <a:spcPct val="20000"/>
+              </a:spcBef>
+              <a:spcAft>
+                <a:spcPct val="0"/>
+              </a:spcAft>
+              <a:buClrTx/>
+              <a:buSzTx/>
+              <a:buFont typeface="Arial" panose="020B0604020202020204" pitchFamily="34" charset="0"/>
+              <a:buChar char="•"/>
+              <a:tabLst/>
+              <a:defRPr/>
+            </a:pPr>
+            <a:r>
+              <a:rPr kumimoji="0" lang="en-US" altLang="zh-CN" b="0" i="0" u="none" strike="noStrike" kern="1200" cap="none" spc="0" normalizeH="0" baseline="0" noProof="0" dirty="0">
+                <a:ln>
+                  <a:noFill/>
+                </a:ln>
+                <a:solidFill>
+                  <a:prstClr val="black"/>
+                </a:solidFill>
+                <a:effectLst/>
+                <a:uLnTx/>
+                <a:uFillTx/>
+                <a:latin typeface="Times New Roman" panose="02020603050405020304" pitchFamily="18" charset="0"/>
+                <a:ea typeface="宋体" panose="02010600030101010101" pitchFamily="2" charset="-122"/>
+                <a:cs typeface="Times New Roman" panose="02020603050405020304" pitchFamily="18" charset="0"/>
+              </a:rPr>
+              <a:t>A vertex can be attached to more than one joint/bone with adjustable weights that control how much each joint affects it</a:t>
+            </a:r>
+          </a:p>
+          <a:p>
+            <a:pPr marL="742950" marR="0" lvl="1" indent="-285750" algn="just" defTabSz="914400" rtl="0" eaLnBrk="1" fontAlgn="base" latinLnBrk="0" hangingPunct="1">
+              <a:lnSpc>
+                <a:spcPct val="150000"/>
+              </a:lnSpc>
+              <a:spcBef>
+                <a:spcPct val="20000"/>
+              </a:spcBef>
+              <a:spcAft>
+                <a:spcPct val="0"/>
+              </a:spcAft>
+              <a:buClrTx/>
+              <a:buSzTx/>
+              <a:buFont typeface="Arial" panose="020B0604020202020204" pitchFamily="34" charset="0"/>
+              <a:buChar char="–"/>
+              <a:tabLst/>
+              <a:defRPr/>
+            </a:pPr>
+            <a:r>
+              <a:rPr kumimoji="0" lang="en-US" altLang="zh-CN" b="0" i="0" u="none" strike="noStrike" kern="1200" cap="none" spc="0" normalizeH="0" baseline="0" noProof="0" dirty="0">
+                <a:ln>
+                  <a:noFill/>
+                </a:ln>
+                <a:solidFill>
+                  <a:prstClr val="black"/>
+                </a:solidFill>
+                <a:effectLst/>
+                <a:uLnTx/>
+                <a:uFillTx/>
+                <a:latin typeface="Times New Roman" panose="02020603050405020304" pitchFamily="18" charset="0"/>
+                <a:ea typeface="宋体" panose="02010600030101010101" pitchFamily="2" charset="-122"/>
+                <a:cs typeface="Times New Roman" panose="02020603050405020304" pitchFamily="18" charset="0"/>
+              </a:rPr>
+              <a:t>Rarely more than 4</a:t>
+            </a:r>
+          </a:p>
+        </p:txBody>
+      </p:sp>
+      <p:pic>
+        <p:nvPicPr>
+          <p:cNvPr id="7" name="图片 6">
+            <a:extLst>
+              <a:ext uri="{FF2B5EF4-FFF2-40B4-BE49-F238E27FC236}">
+                <a16:creationId xmlns:a16="http://schemas.microsoft.com/office/drawing/2014/main" id="{EA553DBC-81B8-F81C-9E69-FF3E97BB9C58}"/>
+              </a:ext>
+            </a:extLst>
+          </p:cNvPr>
+          <p:cNvPicPr>
+            <a:picLocks noChangeAspect="1"/>
+          </p:cNvPicPr>
+          <p:nvPr/>
+        </p:nvPicPr>
+        <p:blipFill>
+          <a:blip r:embed="rId3"/>
+          <a:stretch>
+            <a:fillRect/>
+          </a:stretch>
+        </p:blipFill>
+        <p:spPr>
+          <a:xfrm>
+            <a:off x="7317004" y="926670"/>
+            <a:ext cx="4237087" cy="2523963"/>
+          </a:xfrm>
+          <a:prstGeom prst="rect">
+            <a:avLst/>
+          </a:prstGeom>
+        </p:spPr>
+      </p:pic>
     </p:spTree>
     <p:extLst>
       <p:ext uri="{BB962C8B-B14F-4D97-AF65-F5344CB8AC3E}">
         <p14:creationId xmlns:p14="http://schemas.microsoft.com/office/powerpoint/2010/main" val="1084501166"/>
+      </p:ext>
+    </p:extLst>
+  </p:cSld>
+  <p:clrMapOvr>
+    <a:masterClrMapping/>
+  </p:clrMapOvr>
+</p:sld>
+</file>
+
+<file path=ppt/slides/slide6.xml><?xml version="1.0" encoding="utf-8"?>
+<p:sld xmlns:a="http://schemas.openxmlformats.org/drawingml/2006/main" xmlns:r="http://schemas.openxmlformats.org/officeDocument/2006/relationships" xmlns:p="http://schemas.openxmlformats.org/presentationml/2006/main">
+  <p:cSld>
+    <p:spTree>
+      <p:nvGrpSpPr>
+        <p:cNvPr id="1" name=""/>
+        <p:cNvGrpSpPr/>
+        <p:nvPr/>
+      </p:nvGrpSpPr>
+      <p:grpSpPr>
+        <a:xfrm>
+          <a:off x="0" y="0"/>
+          <a:ext cx="0" cy="0"/>
+          <a:chOff x="0" y="0"/>
+          <a:chExt cx="0" cy="0"/>
+        </a:xfrm>
+      </p:grpSpPr>
+      <p:sp>
+        <p:nvSpPr>
+          <p:cNvPr id="2" name="灯片编号占位符 1">
+            <a:extLst>
+              <a:ext uri="{FF2B5EF4-FFF2-40B4-BE49-F238E27FC236}">
+                <a16:creationId xmlns:a16="http://schemas.microsoft.com/office/drawing/2014/main" id="{349690C7-D319-0B9D-CA16-9D03E0A2FCDD}"/>
+              </a:ext>
+            </a:extLst>
+          </p:cNvPr>
+          <p:cNvSpPr>
+            <a:spLocks noGrp="1"/>
+          </p:cNvSpPr>
+          <p:nvPr>
+            <p:ph type="sldNum" sz="quarter" idx="12"/>
+          </p:nvPr>
+        </p:nvSpPr>
+        <p:spPr/>
+        <p:txBody>
+          <a:bodyPr/>
+          <a:lstStyle/>
+          <a:p>
+            <a:fld id="{565CE74E-AB26-4998-AD42-012C4C1AD076}" type="slidenum">
+              <a:rPr lang="zh-CN" altLang="en-US" smtClean="0"/>
+              <a:t>6</a:t>
+            </a:fld>
+            <a:endParaRPr lang="zh-CN" altLang="en-US"/>
+          </a:p>
+        </p:txBody>
+      </p:sp>
+      <p:sp>
+        <p:nvSpPr>
+          <p:cNvPr id="3" name="矩形 2">
+            <a:extLst>
+              <a:ext uri="{FF2B5EF4-FFF2-40B4-BE49-F238E27FC236}">
+                <a16:creationId xmlns:a16="http://schemas.microsoft.com/office/drawing/2014/main" id="{1496187E-1092-F06D-5683-3FB1F116EB76}"/>
+              </a:ext>
+            </a:extLst>
+          </p:cNvPr>
+          <p:cNvSpPr/>
+          <p:nvPr/>
+        </p:nvSpPr>
+        <p:spPr>
+          <a:xfrm>
+            <a:off x="1" y="-2"/>
+            <a:ext cx="220551" cy="6858002"/>
+          </a:xfrm>
+          <a:prstGeom prst="rect">
+            <a:avLst/>
+          </a:prstGeom>
+          <a:gradFill>
+            <a:gsLst>
+              <a:gs pos="100000">
+                <a:srgbClr val="1C2F43"/>
+              </a:gs>
+              <a:gs pos="0">
+                <a:srgbClr val="46706E"/>
+              </a:gs>
+            </a:gsLst>
+            <a:lin ang="5400000" scaled="1"/>
+          </a:gradFill>
+          <a:ln>
+            <a:noFill/>
+          </a:ln>
+        </p:spPr>
+        <p:style>
+          <a:lnRef idx="2">
+            <a:schemeClr val="accent1">
+              <a:shade val="50000"/>
+            </a:schemeClr>
+          </a:lnRef>
+          <a:fillRef idx="1">
+            <a:schemeClr val="accent1"/>
+          </a:fillRef>
+          <a:effectRef idx="0">
+            <a:schemeClr val="accent1"/>
+          </a:effectRef>
+          <a:fontRef idx="minor">
+            <a:schemeClr val="lt1"/>
+          </a:fontRef>
+        </p:style>
+        <p:txBody>
+          <a:bodyPr rtlCol="0" anchor="ctr"/>
+          <a:lstStyle/>
+          <a:p>
+            <a:pPr marL="0" marR="0" lvl="0" indent="0" algn="ctr" defTabSz="914400" rtl="0" eaLnBrk="1" fontAlgn="auto" latinLnBrk="0" hangingPunct="1">
+              <a:lnSpc>
+                <a:spcPct val="100000"/>
+              </a:lnSpc>
+              <a:spcBef>
+                <a:spcPts val="0"/>
+              </a:spcBef>
+              <a:spcAft>
+                <a:spcPts val="0"/>
+              </a:spcAft>
+              <a:buClrTx/>
+              <a:buSzTx/>
+              <a:buFontTx/>
+              <a:buNone/>
+              <a:tabLst/>
+              <a:defRPr/>
+            </a:pPr>
+            <a:endParaRPr kumimoji="0" lang="zh-CN" altLang="en-US" sz="1800" b="0" i="0" u="none" strike="noStrike" kern="1200" cap="none" spc="0" normalizeH="0" baseline="0" noProof="0">
+              <a:ln>
+                <a:noFill/>
+              </a:ln>
+              <a:solidFill>
+                <a:prstClr val="white"/>
+              </a:solidFill>
+              <a:effectLst/>
+              <a:uLnTx/>
+              <a:uFillTx/>
+              <a:latin typeface="Calibri"/>
+              <a:ea typeface="微软雅黑" panose="020B0503020204020204" pitchFamily="34" charset="-122"/>
+              <a:cs typeface="+mn-cs"/>
+            </a:endParaRPr>
+          </a:p>
+        </p:txBody>
+      </p:sp>
+      <p:sp>
+        <p:nvSpPr>
+          <p:cNvPr id="4" name="文本框 3">
+            <a:extLst>
+              <a:ext uri="{FF2B5EF4-FFF2-40B4-BE49-F238E27FC236}">
+                <a16:creationId xmlns:a16="http://schemas.microsoft.com/office/drawing/2014/main" id="{FAB2E4D1-FEEA-677B-CC1F-106843AE141B}"/>
+              </a:ext>
+            </a:extLst>
+          </p:cNvPr>
+          <p:cNvSpPr txBox="1"/>
+          <p:nvPr/>
+        </p:nvSpPr>
+        <p:spPr>
+          <a:xfrm>
+            <a:off x="969617" y="173828"/>
+            <a:ext cx="5148470" cy="400110"/>
+          </a:xfrm>
+          <a:prstGeom prst="rect">
+            <a:avLst/>
+          </a:prstGeom>
+          <a:noFill/>
+        </p:spPr>
+        <p:txBody>
+          <a:bodyPr wrap="square" rtlCol="0">
+            <a:spAutoFit/>
+          </a:bodyPr>
+          <a:lstStyle/>
+          <a:p>
+            <a:r>
+              <a:rPr lang="en-US" altLang="zh-CN" sz="2000" b="1" dirty="0">
+                <a:latin typeface="Times New Roman" panose="02020603050405020304" pitchFamily="18" charset="0"/>
+                <a:cs typeface="Times New Roman" panose="02020603050405020304" pitchFamily="18" charset="0"/>
+              </a:rPr>
+              <a:t>Weight</a:t>
+            </a:r>
+            <a:endParaRPr lang="zh-CN" altLang="en-US" sz="2000" b="1" dirty="0">
+              <a:latin typeface="Times New Roman" panose="02020603050405020304" pitchFamily="18" charset="0"/>
+              <a:cs typeface="Times New Roman" panose="02020603050405020304" pitchFamily="18" charset="0"/>
+            </a:endParaRPr>
+          </a:p>
+        </p:txBody>
+      </p:sp>
+      <p:pic>
+        <p:nvPicPr>
+          <p:cNvPr id="5" name="图片 4">
+            <a:extLst>
+              <a:ext uri="{FF2B5EF4-FFF2-40B4-BE49-F238E27FC236}">
+                <a16:creationId xmlns:a16="http://schemas.microsoft.com/office/drawing/2014/main" id="{53A71E9E-8940-5AF6-3D7A-D9FDCA119488}"/>
+              </a:ext>
+            </a:extLst>
+          </p:cNvPr>
+          <p:cNvPicPr>
+            <a:picLocks noChangeAspect="1"/>
+          </p:cNvPicPr>
+          <p:nvPr/>
+        </p:nvPicPr>
+        <p:blipFill>
+          <a:blip r:embed="rId2"/>
+          <a:stretch>
+            <a:fillRect/>
+          </a:stretch>
+        </p:blipFill>
+        <p:spPr>
+          <a:xfrm>
+            <a:off x="485347" y="243859"/>
+            <a:ext cx="219475" cy="219475"/>
+          </a:xfrm>
+          <a:prstGeom prst="rect">
+            <a:avLst/>
+          </a:prstGeom>
+        </p:spPr>
+      </p:pic>
+      <p:pic>
+        <p:nvPicPr>
+          <p:cNvPr id="7" name="图片 6">
+            <a:extLst>
+              <a:ext uri="{FF2B5EF4-FFF2-40B4-BE49-F238E27FC236}">
+                <a16:creationId xmlns:a16="http://schemas.microsoft.com/office/drawing/2014/main" id="{C38CFCF2-A02A-C7DD-E445-599D06DBB202}"/>
+              </a:ext>
+            </a:extLst>
+          </p:cNvPr>
+          <p:cNvPicPr>
+            <a:picLocks noChangeAspect="1"/>
+          </p:cNvPicPr>
+          <p:nvPr/>
+        </p:nvPicPr>
+        <p:blipFill>
+          <a:blip r:embed="rId3"/>
+          <a:stretch>
+            <a:fillRect/>
+          </a:stretch>
+        </p:blipFill>
+        <p:spPr>
+          <a:xfrm>
+            <a:off x="7319943" y="1044628"/>
+            <a:ext cx="4542934" cy="3321555"/>
+          </a:xfrm>
+          <a:prstGeom prst="rect">
+            <a:avLst/>
+          </a:prstGeom>
+        </p:spPr>
+      </p:pic>
+      <p:pic>
+        <p:nvPicPr>
+          <p:cNvPr id="9" name="图片 8">
+            <a:extLst>
+              <a:ext uri="{FF2B5EF4-FFF2-40B4-BE49-F238E27FC236}">
+                <a16:creationId xmlns:a16="http://schemas.microsoft.com/office/drawing/2014/main" id="{4C04496F-7680-A239-88AA-A966879BCD8F}"/>
+              </a:ext>
+            </a:extLst>
+          </p:cNvPr>
+          <p:cNvPicPr>
+            <a:picLocks noChangeAspect="1"/>
+          </p:cNvPicPr>
+          <p:nvPr/>
+        </p:nvPicPr>
+        <p:blipFill>
+          <a:blip r:embed="rId4"/>
+          <a:stretch>
+            <a:fillRect/>
+          </a:stretch>
+        </p:blipFill>
+        <p:spPr>
+          <a:xfrm>
+            <a:off x="421557" y="991620"/>
+            <a:ext cx="6697381" cy="4255069"/>
+          </a:xfrm>
+          <a:prstGeom prst="rect">
+            <a:avLst/>
+          </a:prstGeom>
+        </p:spPr>
+      </p:pic>
+      <p:pic>
+        <p:nvPicPr>
+          <p:cNvPr id="10" name="图片 9">
+            <a:extLst>
+              <a:ext uri="{FF2B5EF4-FFF2-40B4-BE49-F238E27FC236}">
+                <a16:creationId xmlns:a16="http://schemas.microsoft.com/office/drawing/2014/main" id="{AC8DA8CC-D3AB-36DA-E840-D692433EC330}"/>
+              </a:ext>
+            </a:extLst>
+          </p:cNvPr>
+          <p:cNvPicPr>
+            <a:picLocks noChangeAspect="1"/>
+          </p:cNvPicPr>
+          <p:nvPr/>
+        </p:nvPicPr>
+        <p:blipFill>
+          <a:blip r:embed="rId5"/>
+          <a:stretch>
+            <a:fillRect/>
+          </a:stretch>
+        </p:blipFill>
+        <p:spPr>
+          <a:xfrm>
+            <a:off x="11265327" y="-2"/>
+            <a:ext cx="926672" cy="926672"/>
+          </a:xfrm>
+          <a:prstGeom prst="rect">
+            <a:avLst/>
+          </a:prstGeom>
+        </p:spPr>
+      </p:pic>
+    </p:spTree>
+    <p:extLst>
+      <p:ext uri="{BB962C8B-B14F-4D97-AF65-F5344CB8AC3E}">
+        <p14:creationId xmlns:p14="http://schemas.microsoft.com/office/powerpoint/2010/main" val="4214868173"/>
+      </p:ext>
+    </p:extLst>
+  </p:cSld>
+  <p:clrMapOvr>
+    <a:masterClrMapping/>
+  </p:clrMapOvr>
+</p:sld>
+</file>
+
+<file path=ppt/slides/slide7.xml><?xml version="1.0" encoding="utf-8"?>
+<p:sld xmlns:a="http://schemas.openxmlformats.org/drawingml/2006/main" xmlns:r="http://schemas.openxmlformats.org/officeDocument/2006/relationships" xmlns:p="http://schemas.openxmlformats.org/presentationml/2006/main">
+  <p:cSld>
+    <p:spTree>
+      <p:nvGrpSpPr>
+        <p:cNvPr id="1" name=""/>
+        <p:cNvGrpSpPr/>
+        <p:nvPr/>
+      </p:nvGrpSpPr>
+      <p:grpSpPr>
+        <a:xfrm>
+          <a:off x="0" y="0"/>
+          <a:ext cx="0" cy="0"/>
+          <a:chOff x="0" y="0"/>
+          <a:chExt cx="0" cy="0"/>
+        </a:xfrm>
+      </p:grpSpPr>
+      <p:sp>
+        <p:nvSpPr>
+          <p:cNvPr id="2" name="灯片编号占位符 1">
+            <a:extLst>
+              <a:ext uri="{FF2B5EF4-FFF2-40B4-BE49-F238E27FC236}">
+                <a16:creationId xmlns:a16="http://schemas.microsoft.com/office/drawing/2014/main" id="{349690C7-D319-0B9D-CA16-9D03E0A2FCDD}"/>
+              </a:ext>
+            </a:extLst>
+          </p:cNvPr>
+          <p:cNvSpPr>
+            <a:spLocks noGrp="1"/>
+          </p:cNvSpPr>
+          <p:nvPr>
+            <p:ph type="sldNum" sz="quarter" idx="12"/>
+          </p:nvPr>
+        </p:nvSpPr>
+        <p:spPr/>
+        <p:txBody>
+          <a:bodyPr/>
+          <a:lstStyle/>
+          <a:p>
+            <a:fld id="{565CE74E-AB26-4998-AD42-012C4C1AD076}" type="slidenum">
+              <a:rPr lang="zh-CN" altLang="en-US" smtClean="0"/>
+              <a:t>7</a:t>
+            </a:fld>
+            <a:endParaRPr lang="zh-CN" altLang="en-US"/>
+          </a:p>
+        </p:txBody>
+      </p:sp>
+      <p:sp>
+        <p:nvSpPr>
+          <p:cNvPr id="3" name="矩形 2">
+            <a:extLst>
+              <a:ext uri="{FF2B5EF4-FFF2-40B4-BE49-F238E27FC236}">
+                <a16:creationId xmlns:a16="http://schemas.microsoft.com/office/drawing/2014/main" id="{1496187E-1092-F06D-5683-3FB1F116EB76}"/>
+              </a:ext>
+            </a:extLst>
+          </p:cNvPr>
+          <p:cNvSpPr/>
+          <p:nvPr/>
+        </p:nvSpPr>
+        <p:spPr>
+          <a:xfrm>
+            <a:off x="1" y="-2"/>
+            <a:ext cx="220551" cy="6858002"/>
+          </a:xfrm>
+          <a:prstGeom prst="rect">
+            <a:avLst/>
+          </a:prstGeom>
+          <a:gradFill>
+            <a:gsLst>
+              <a:gs pos="100000">
+                <a:srgbClr val="1C2F43"/>
+              </a:gs>
+              <a:gs pos="0">
+                <a:srgbClr val="46706E"/>
+              </a:gs>
+            </a:gsLst>
+            <a:lin ang="5400000" scaled="1"/>
+          </a:gradFill>
+          <a:ln>
+            <a:noFill/>
+          </a:ln>
+        </p:spPr>
+        <p:style>
+          <a:lnRef idx="2">
+            <a:schemeClr val="accent1">
+              <a:shade val="50000"/>
+            </a:schemeClr>
+          </a:lnRef>
+          <a:fillRef idx="1">
+            <a:schemeClr val="accent1"/>
+          </a:fillRef>
+          <a:effectRef idx="0">
+            <a:schemeClr val="accent1"/>
+          </a:effectRef>
+          <a:fontRef idx="minor">
+            <a:schemeClr val="lt1"/>
+          </a:fontRef>
+        </p:style>
+        <p:txBody>
+          <a:bodyPr rtlCol="0" anchor="ctr"/>
+          <a:lstStyle/>
+          <a:p>
+            <a:pPr marL="0" marR="0" lvl="0" indent="0" algn="ctr" defTabSz="914400" rtl="0" eaLnBrk="1" fontAlgn="auto" latinLnBrk="0" hangingPunct="1">
+              <a:lnSpc>
+                <a:spcPct val="100000"/>
+              </a:lnSpc>
+              <a:spcBef>
+                <a:spcPts val="0"/>
+              </a:spcBef>
+              <a:spcAft>
+                <a:spcPts val="0"/>
+              </a:spcAft>
+              <a:buClrTx/>
+              <a:buSzTx/>
+              <a:buFontTx/>
+              <a:buNone/>
+              <a:tabLst/>
+              <a:defRPr/>
+            </a:pPr>
+            <a:endParaRPr kumimoji="0" lang="zh-CN" altLang="en-US" sz="1800" b="0" i="0" u="none" strike="noStrike" kern="1200" cap="none" spc="0" normalizeH="0" baseline="0" noProof="0">
+              <a:ln>
+                <a:noFill/>
+              </a:ln>
+              <a:solidFill>
+                <a:prstClr val="white"/>
+              </a:solidFill>
+              <a:effectLst/>
+              <a:uLnTx/>
+              <a:uFillTx/>
+              <a:latin typeface="Calibri"/>
+              <a:ea typeface="微软雅黑" panose="020B0503020204020204" pitchFamily="34" charset="-122"/>
+              <a:cs typeface="+mn-cs"/>
+            </a:endParaRPr>
+          </a:p>
+        </p:txBody>
+      </p:sp>
+      <p:sp>
+        <p:nvSpPr>
+          <p:cNvPr id="4" name="文本框 3">
+            <a:extLst>
+              <a:ext uri="{FF2B5EF4-FFF2-40B4-BE49-F238E27FC236}">
+                <a16:creationId xmlns:a16="http://schemas.microsoft.com/office/drawing/2014/main" id="{FAB2E4D1-FEEA-677B-CC1F-106843AE141B}"/>
+              </a:ext>
+            </a:extLst>
+          </p:cNvPr>
+          <p:cNvSpPr txBox="1"/>
+          <p:nvPr/>
+        </p:nvSpPr>
+        <p:spPr>
+          <a:xfrm>
+            <a:off x="969617" y="173828"/>
+            <a:ext cx="5148470" cy="400110"/>
+          </a:xfrm>
+          <a:prstGeom prst="rect">
+            <a:avLst/>
+          </a:prstGeom>
+          <a:noFill/>
+        </p:spPr>
+        <p:txBody>
+          <a:bodyPr wrap="square" rtlCol="0">
+            <a:spAutoFit/>
+          </a:bodyPr>
+          <a:lstStyle/>
+          <a:p>
+            <a:r>
+              <a:rPr lang="en-US" altLang="zh-CN" sz="2000" b="1" dirty="0">
+                <a:latin typeface="Times New Roman" panose="02020603050405020304" pitchFamily="18" charset="0"/>
+                <a:cs typeface="Times New Roman" panose="02020603050405020304" pitchFamily="18" charset="0"/>
+              </a:rPr>
+              <a:t>How to decide Weight</a:t>
+            </a:r>
+            <a:r>
+              <a:rPr lang="zh-CN" altLang="en-US" sz="2000" b="1" dirty="0">
+                <a:latin typeface="Times New Roman" panose="02020603050405020304" pitchFamily="18" charset="0"/>
+                <a:cs typeface="Times New Roman" panose="02020603050405020304" pitchFamily="18" charset="0"/>
+              </a:rPr>
+              <a:t>？</a:t>
+            </a:r>
+          </a:p>
+        </p:txBody>
+      </p:sp>
+      <p:pic>
+        <p:nvPicPr>
+          <p:cNvPr id="5" name="图片 4">
+            <a:extLst>
+              <a:ext uri="{FF2B5EF4-FFF2-40B4-BE49-F238E27FC236}">
+                <a16:creationId xmlns:a16="http://schemas.microsoft.com/office/drawing/2014/main" id="{53A71E9E-8940-5AF6-3D7A-D9FDCA119488}"/>
+              </a:ext>
+            </a:extLst>
+          </p:cNvPr>
+          <p:cNvPicPr>
+            <a:picLocks noChangeAspect="1"/>
+          </p:cNvPicPr>
+          <p:nvPr/>
+        </p:nvPicPr>
+        <p:blipFill>
+          <a:blip r:embed="rId2"/>
+          <a:stretch>
+            <a:fillRect/>
+          </a:stretch>
+        </p:blipFill>
+        <p:spPr>
+          <a:xfrm>
+            <a:off x="485347" y="243859"/>
+            <a:ext cx="219475" cy="219475"/>
+          </a:xfrm>
+          <a:prstGeom prst="rect">
+            <a:avLst/>
+          </a:prstGeom>
+        </p:spPr>
+      </p:pic>
+      <p:pic>
+        <p:nvPicPr>
+          <p:cNvPr id="10" name="图片 9">
+            <a:extLst>
+              <a:ext uri="{FF2B5EF4-FFF2-40B4-BE49-F238E27FC236}">
+                <a16:creationId xmlns:a16="http://schemas.microsoft.com/office/drawing/2014/main" id="{AC8DA8CC-D3AB-36DA-E840-D692433EC330}"/>
+              </a:ext>
+            </a:extLst>
+          </p:cNvPr>
+          <p:cNvPicPr>
+            <a:picLocks noChangeAspect="1"/>
+          </p:cNvPicPr>
+          <p:nvPr/>
+        </p:nvPicPr>
+        <p:blipFill>
+          <a:blip r:embed="rId3"/>
+          <a:stretch>
+            <a:fillRect/>
+          </a:stretch>
+        </p:blipFill>
+        <p:spPr>
+          <a:xfrm>
+            <a:off x="11265327" y="-2"/>
+            <a:ext cx="926672" cy="926672"/>
+          </a:xfrm>
+          <a:prstGeom prst="rect">
+            <a:avLst/>
+          </a:prstGeom>
+        </p:spPr>
+      </p:pic>
+      <p:sp>
+        <p:nvSpPr>
+          <p:cNvPr id="11" name="文本框 10">
+            <a:extLst>
+              <a:ext uri="{FF2B5EF4-FFF2-40B4-BE49-F238E27FC236}">
+                <a16:creationId xmlns:a16="http://schemas.microsoft.com/office/drawing/2014/main" id="{84E13F90-4123-801E-ECA2-85B4B7A6F1C8}"/>
+              </a:ext>
+            </a:extLst>
+          </p:cNvPr>
+          <p:cNvSpPr txBox="1"/>
+          <p:nvPr/>
+        </p:nvSpPr>
+        <p:spPr>
+          <a:xfrm>
+            <a:off x="1166191" y="1245849"/>
+            <a:ext cx="6096000" cy="2120068"/>
+          </a:xfrm>
+          <a:prstGeom prst="rect">
+            <a:avLst/>
+          </a:prstGeom>
+          <a:noFill/>
+        </p:spPr>
+        <p:txBody>
+          <a:bodyPr wrap="square">
+            <a:spAutoFit/>
+          </a:bodyPr>
+          <a:lstStyle/>
+          <a:p>
+            <a:pPr algn="just">
+              <a:lnSpc>
+                <a:spcPct val="150000"/>
+              </a:lnSpc>
+            </a:pPr>
+            <a:r>
+              <a:rPr lang="en-US" altLang="zh-CN" dirty="0">
+                <a:latin typeface="Times New Roman" panose="02020603050405020304" pitchFamily="18" charset="0"/>
+                <a:cs typeface="Times New Roman" panose="02020603050405020304" pitchFamily="18" charset="0"/>
+              </a:rPr>
+              <a:t>Use the Euclidean distance </a:t>
+            </a:r>
+          </a:p>
+          <a:p>
+            <a:pPr algn="just">
+              <a:lnSpc>
+                <a:spcPct val="150000"/>
+              </a:lnSpc>
+            </a:pPr>
+            <a:r>
+              <a:rPr lang="en-US" altLang="zh-CN" dirty="0">
+                <a:latin typeface="Times New Roman" panose="02020603050405020304" pitchFamily="18" charset="0"/>
+                <a:cs typeface="Times New Roman" panose="02020603050405020304" pitchFamily="18" charset="0"/>
+              </a:rPr>
+              <a:t>•Surround the bones with the inner and outer capsules</a:t>
+            </a:r>
+          </a:p>
+          <a:p>
+            <a:pPr algn="just">
+              <a:lnSpc>
+                <a:spcPct val="150000"/>
+              </a:lnSpc>
+            </a:pPr>
+            <a:endParaRPr lang="en-US" altLang="zh-CN" dirty="0">
+              <a:latin typeface="Times New Roman" panose="02020603050405020304" pitchFamily="18" charset="0"/>
+              <a:cs typeface="Times New Roman" panose="02020603050405020304" pitchFamily="18" charset="0"/>
+            </a:endParaRPr>
+          </a:p>
+          <a:p>
+            <a:pPr algn="just">
+              <a:lnSpc>
+                <a:spcPct val="150000"/>
+              </a:lnSpc>
+            </a:pPr>
+            <a:r>
+              <a:rPr lang="en-US" altLang="zh-CN" dirty="0">
+                <a:latin typeface="Times New Roman" panose="02020603050405020304" pitchFamily="18" charset="0"/>
+                <a:cs typeface="Times New Roman" panose="02020603050405020304" pitchFamily="18" charset="0"/>
+              </a:rPr>
+              <a:t>•If the vertex is inside only one inner capsule, the weight of the </a:t>
+            </a:r>
+          </a:p>
+          <a:p>
+            <a:pPr algn="just">
+              <a:lnSpc>
+                <a:spcPct val="150000"/>
+              </a:lnSpc>
+            </a:pPr>
+            <a:r>
+              <a:rPr lang="en-US" altLang="zh-CN" dirty="0">
+                <a:latin typeface="Times New Roman" panose="02020603050405020304" pitchFamily="18" charset="0"/>
+                <a:cs typeface="Times New Roman" panose="02020603050405020304" pitchFamily="18" charset="0"/>
+              </a:rPr>
+              <a:t>corresponding bone is 1, and the rest are 0</a:t>
+            </a:r>
+          </a:p>
+        </p:txBody>
+      </p:sp>
+      <p:pic>
+        <p:nvPicPr>
+          <p:cNvPr id="13" name="图片 12">
+            <a:extLst>
+              <a:ext uri="{FF2B5EF4-FFF2-40B4-BE49-F238E27FC236}">
+                <a16:creationId xmlns:a16="http://schemas.microsoft.com/office/drawing/2014/main" id="{14C47D5B-BF9D-9AFF-AD8A-1DCFCB4B2F12}"/>
+              </a:ext>
+            </a:extLst>
+          </p:cNvPr>
+          <p:cNvPicPr>
+            <a:picLocks noChangeAspect="1"/>
+          </p:cNvPicPr>
+          <p:nvPr/>
+        </p:nvPicPr>
+        <p:blipFill>
+          <a:blip r:embed="rId4"/>
+          <a:stretch>
+            <a:fillRect/>
+          </a:stretch>
+        </p:blipFill>
+        <p:spPr>
+          <a:xfrm>
+            <a:off x="1337337" y="3957235"/>
+            <a:ext cx="5924854" cy="2203563"/>
+          </a:xfrm>
+          <a:prstGeom prst="rect">
+            <a:avLst/>
+          </a:prstGeom>
+        </p:spPr>
+      </p:pic>
+      <p:cxnSp>
+        <p:nvCxnSpPr>
+          <p:cNvPr id="15" name="直接箭头连接符 14">
+            <a:extLst>
+              <a:ext uri="{FF2B5EF4-FFF2-40B4-BE49-F238E27FC236}">
+                <a16:creationId xmlns:a16="http://schemas.microsoft.com/office/drawing/2014/main" id="{E89C2359-1146-9132-B7D2-9A9B0C2EA398}"/>
+              </a:ext>
+            </a:extLst>
+          </p:cNvPr>
+          <p:cNvCxnSpPr/>
+          <p:nvPr/>
+        </p:nvCxnSpPr>
+        <p:spPr>
+          <a:xfrm flipV="1">
+            <a:off x="6440557" y="3684104"/>
+            <a:ext cx="821634" cy="815009"/>
+          </a:xfrm>
+          <a:prstGeom prst="straightConnector1">
+            <a:avLst/>
+          </a:prstGeom>
+          <a:ln>
+            <a:tailEnd type="triangle"/>
+          </a:ln>
+        </p:spPr>
+        <p:style>
+          <a:lnRef idx="1">
+            <a:schemeClr val="accent1"/>
+          </a:lnRef>
+          <a:fillRef idx="0">
+            <a:schemeClr val="accent1"/>
+          </a:fillRef>
+          <a:effectRef idx="0">
+            <a:schemeClr val="accent1"/>
+          </a:effectRef>
+          <a:fontRef idx="minor">
+            <a:schemeClr val="tx1"/>
+          </a:fontRef>
+        </p:style>
+      </p:cxnSp>
+      <p:cxnSp>
+        <p:nvCxnSpPr>
+          <p:cNvPr id="17" name="直接箭头连接符 16">
+            <a:extLst>
+              <a:ext uri="{FF2B5EF4-FFF2-40B4-BE49-F238E27FC236}">
+                <a16:creationId xmlns:a16="http://schemas.microsoft.com/office/drawing/2014/main" id="{BED1DB20-2189-3BBB-1A9C-35D3D17A8744}"/>
+              </a:ext>
+            </a:extLst>
+          </p:cNvPr>
+          <p:cNvCxnSpPr/>
+          <p:nvPr/>
+        </p:nvCxnSpPr>
+        <p:spPr>
+          <a:xfrm flipV="1">
+            <a:off x="6294783" y="4757530"/>
+            <a:ext cx="1782417" cy="301486"/>
+          </a:xfrm>
+          <a:prstGeom prst="straightConnector1">
+            <a:avLst/>
+          </a:prstGeom>
+          <a:ln>
+            <a:tailEnd type="triangle"/>
+          </a:ln>
+        </p:spPr>
+        <p:style>
+          <a:lnRef idx="1">
+            <a:schemeClr val="accent1"/>
+          </a:lnRef>
+          <a:fillRef idx="0">
+            <a:schemeClr val="accent1"/>
+          </a:fillRef>
+          <a:effectRef idx="0">
+            <a:schemeClr val="accent1"/>
+          </a:effectRef>
+          <a:fontRef idx="minor">
+            <a:schemeClr val="tx1"/>
+          </a:fontRef>
+        </p:style>
+      </p:cxnSp>
+      <p:sp>
+        <p:nvSpPr>
+          <p:cNvPr id="18" name="文本框 17">
+            <a:extLst>
+              <a:ext uri="{FF2B5EF4-FFF2-40B4-BE49-F238E27FC236}">
+                <a16:creationId xmlns:a16="http://schemas.microsoft.com/office/drawing/2014/main" id="{0ED568BD-6C3E-A8DE-60A6-A58F66ED0E17}"/>
+              </a:ext>
+            </a:extLst>
+          </p:cNvPr>
+          <p:cNvSpPr txBox="1"/>
+          <p:nvPr/>
+        </p:nvSpPr>
+        <p:spPr>
+          <a:xfrm>
+            <a:off x="6911009" y="3365917"/>
+            <a:ext cx="1040295" cy="369332"/>
+          </a:xfrm>
+          <a:prstGeom prst="rect">
+            <a:avLst/>
+          </a:prstGeom>
+          <a:noFill/>
+        </p:spPr>
+        <p:txBody>
+          <a:bodyPr wrap="square" rtlCol="0">
+            <a:spAutoFit/>
+          </a:bodyPr>
+          <a:lstStyle/>
+          <a:p>
+            <a:r>
+              <a:rPr lang="en-US" altLang="zh-CN" dirty="0"/>
+              <a:t>Outer</a:t>
+            </a:r>
+            <a:endParaRPr lang="zh-CN" altLang="en-US" dirty="0"/>
+          </a:p>
+        </p:txBody>
+      </p:sp>
+      <p:sp>
+        <p:nvSpPr>
+          <p:cNvPr id="20" name="文本框 19">
+            <a:extLst>
+              <a:ext uri="{FF2B5EF4-FFF2-40B4-BE49-F238E27FC236}">
+                <a16:creationId xmlns:a16="http://schemas.microsoft.com/office/drawing/2014/main" id="{3F52792E-6B69-EF8F-1DF6-52FBF3DC3F59}"/>
+              </a:ext>
+            </a:extLst>
+          </p:cNvPr>
+          <p:cNvSpPr txBox="1"/>
+          <p:nvPr/>
+        </p:nvSpPr>
+        <p:spPr>
+          <a:xfrm>
+            <a:off x="8186820" y="4499113"/>
+            <a:ext cx="1493894" cy="369332"/>
+          </a:xfrm>
+          <a:prstGeom prst="rect">
+            <a:avLst/>
+          </a:prstGeom>
+          <a:noFill/>
+        </p:spPr>
+        <p:txBody>
+          <a:bodyPr wrap="square">
+            <a:spAutoFit/>
+          </a:bodyPr>
+          <a:lstStyle/>
+          <a:p>
+            <a:r>
+              <a:rPr lang="en-US" altLang="zh-CN" dirty="0"/>
+              <a:t>Inner</a:t>
+            </a:r>
+            <a:endParaRPr lang="zh-CN" altLang="en-US" dirty="0"/>
+          </a:p>
+        </p:txBody>
+      </p:sp>
+    </p:spTree>
+    <p:extLst>
+      <p:ext uri="{BB962C8B-B14F-4D97-AF65-F5344CB8AC3E}">
+        <p14:creationId xmlns:p14="http://schemas.microsoft.com/office/powerpoint/2010/main" val="2539992111"/>
+      </p:ext>
+    </p:extLst>
+  </p:cSld>
+  <p:clrMapOvr>
+    <a:masterClrMapping/>
+  </p:clrMapOvr>
+</p:sld>
+</file>
+
+<file path=ppt/slides/slide8.xml><?xml version="1.0" encoding="utf-8"?>
+<p:sld xmlns:a="http://schemas.openxmlformats.org/drawingml/2006/main" xmlns:r="http://schemas.openxmlformats.org/officeDocument/2006/relationships" xmlns:p="http://schemas.openxmlformats.org/presentationml/2006/main">
+  <p:cSld>
+    <p:spTree>
+      <p:nvGrpSpPr>
+        <p:cNvPr id="1" name=""/>
+        <p:cNvGrpSpPr/>
+        <p:nvPr/>
+      </p:nvGrpSpPr>
+      <p:grpSpPr>
+        <a:xfrm>
+          <a:off x="0" y="0"/>
+          <a:ext cx="0" cy="0"/>
+          <a:chOff x="0" y="0"/>
+          <a:chExt cx="0" cy="0"/>
+        </a:xfrm>
+      </p:grpSpPr>
+      <p:sp>
+        <p:nvSpPr>
+          <p:cNvPr id="2" name="灯片编号占位符 1">
+            <a:extLst>
+              <a:ext uri="{FF2B5EF4-FFF2-40B4-BE49-F238E27FC236}">
+                <a16:creationId xmlns:a16="http://schemas.microsoft.com/office/drawing/2014/main" id="{19459185-772D-B328-E2AB-E171EF6B92B7}"/>
+              </a:ext>
+            </a:extLst>
+          </p:cNvPr>
+          <p:cNvSpPr>
+            <a:spLocks noGrp="1"/>
+          </p:cNvSpPr>
+          <p:nvPr>
+            <p:ph type="sldNum" sz="quarter" idx="12"/>
+          </p:nvPr>
+        </p:nvSpPr>
+        <p:spPr/>
+        <p:txBody>
+          <a:bodyPr/>
+          <a:lstStyle/>
+          <a:p>
+            <a:fld id="{565CE74E-AB26-4998-AD42-012C4C1AD076}" type="slidenum">
+              <a:rPr lang="zh-CN" altLang="en-US" smtClean="0"/>
+              <a:t>8</a:t>
+            </a:fld>
+            <a:endParaRPr lang="zh-CN" altLang="en-US"/>
+          </a:p>
+        </p:txBody>
+      </p:sp>
+      <p:sp>
+        <p:nvSpPr>
+          <p:cNvPr id="3" name="矩形 2">
+            <a:extLst>
+              <a:ext uri="{FF2B5EF4-FFF2-40B4-BE49-F238E27FC236}">
+                <a16:creationId xmlns:a16="http://schemas.microsoft.com/office/drawing/2014/main" id="{80BF9C69-2EA2-FA28-FE2B-616AC0E74B47}"/>
+              </a:ext>
+            </a:extLst>
+          </p:cNvPr>
+          <p:cNvSpPr/>
+          <p:nvPr/>
+        </p:nvSpPr>
+        <p:spPr>
+          <a:xfrm>
+            <a:off x="1" y="-2"/>
+            <a:ext cx="220551" cy="6858002"/>
+          </a:xfrm>
+          <a:prstGeom prst="rect">
+            <a:avLst/>
+          </a:prstGeom>
+          <a:gradFill>
+            <a:gsLst>
+              <a:gs pos="100000">
+                <a:srgbClr val="1C2F43"/>
+              </a:gs>
+              <a:gs pos="0">
+                <a:srgbClr val="46706E"/>
+              </a:gs>
+            </a:gsLst>
+            <a:lin ang="5400000" scaled="1"/>
+          </a:gradFill>
+          <a:ln>
+            <a:noFill/>
+          </a:ln>
+        </p:spPr>
+        <p:style>
+          <a:lnRef idx="2">
+            <a:schemeClr val="accent1">
+              <a:shade val="50000"/>
+            </a:schemeClr>
+          </a:lnRef>
+          <a:fillRef idx="1">
+            <a:schemeClr val="accent1"/>
+          </a:fillRef>
+          <a:effectRef idx="0">
+            <a:schemeClr val="accent1"/>
+          </a:effectRef>
+          <a:fontRef idx="minor">
+            <a:schemeClr val="lt1"/>
+          </a:fontRef>
+        </p:style>
+        <p:txBody>
+          <a:bodyPr rtlCol="0" anchor="ctr"/>
+          <a:lstStyle/>
+          <a:p>
+            <a:pPr marL="0" marR="0" lvl="0" indent="0" algn="ctr" defTabSz="914400" rtl="0" eaLnBrk="1" fontAlgn="auto" latinLnBrk="0" hangingPunct="1">
+              <a:lnSpc>
+                <a:spcPct val="100000"/>
+              </a:lnSpc>
+              <a:spcBef>
+                <a:spcPts val="0"/>
+              </a:spcBef>
+              <a:spcAft>
+                <a:spcPts val="0"/>
+              </a:spcAft>
+              <a:buClrTx/>
+              <a:buSzTx/>
+              <a:buFontTx/>
+              <a:buNone/>
+              <a:tabLst/>
+              <a:defRPr/>
+            </a:pPr>
+            <a:endParaRPr kumimoji="0" lang="zh-CN" altLang="en-US" sz="1800" b="0" i="0" u="none" strike="noStrike" kern="1200" cap="none" spc="0" normalizeH="0" baseline="0" noProof="0">
+              <a:ln>
+                <a:noFill/>
+              </a:ln>
+              <a:solidFill>
+                <a:prstClr val="white"/>
+              </a:solidFill>
+              <a:effectLst/>
+              <a:uLnTx/>
+              <a:uFillTx/>
+              <a:latin typeface="Calibri"/>
+              <a:ea typeface="微软雅黑" panose="020B0503020204020204" pitchFamily="34" charset="-122"/>
+              <a:cs typeface="+mn-cs"/>
+            </a:endParaRPr>
+          </a:p>
+        </p:txBody>
+      </p:sp>
+      <p:pic>
+        <p:nvPicPr>
+          <p:cNvPr id="4" name="图片 3">
+            <a:extLst>
+              <a:ext uri="{FF2B5EF4-FFF2-40B4-BE49-F238E27FC236}">
+                <a16:creationId xmlns:a16="http://schemas.microsoft.com/office/drawing/2014/main" id="{114CEB7D-6D6E-D8AD-B257-5D6065DB6C1F}"/>
+              </a:ext>
+            </a:extLst>
+          </p:cNvPr>
+          <p:cNvPicPr>
+            <a:picLocks noChangeAspect="1"/>
+          </p:cNvPicPr>
+          <p:nvPr/>
+        </p:nvPicPr>
+        <p:blipFill>
+          <a:blip r:embed="rId2"/>
+          <a:stretch>
+            <a:fillRect/>
+          </a:stretch>
+        </p:blipFill>
+        <p:spPr>
+          <a:xfrm>
+            <a:off x="11265327" y="-2"/>
+            <a:ext cx="926672" cy="926672"/>
+          </a:xfrm>
+          <a:prstGeom prst="rect">
+            <a:avLst/>
+          </a:prstGeom>
+        </p:spPr>
+      </p:pic>
+    </p:spTree>
+    <p:extLst>
+      <p:ext uri="{BB962C8B-B14F-4D97-AF65-F5344CB8AC3E}">
+        <p14:creationId xmlns:p14="http://schemas.microsoft.com/office/powerpoint/2010/main" val="143594659"/>
+      </p:ext>
+    </p:extLst>
+  </p:cSld>
+  <p:clrMapOvr>
+    <a:masterClrMapping/>
+  </p:clrMapOvr>
+</p:sld>
+</file>
+
+<file path=ppt/slides/slide9.xml><?xml version="1.0" encoding="utf-8"?>
+<p:sld xmlns:a="http://schemas.openxmlformats.org/drawingml/2006/main" xmlns:r="http://schemas.openxmlformats.org/officeDocument/2006/relationships" xmlns:p="http://schemas.openxmlformats.org/presentationml/2006/main">
+  <p:cSld>
+    <p:spTree>
+      <p:nvGrpSpPr>
+        <p:cNvPr id="1" name=""/>
+        <p:cNvGrpSpPr/>
+        <p:nvPr/>
+      </p:nvGrpSpPr>
+      <p:grpSpPr>
+        <a:xfrm>
+          <a:off x="0" y="0"/>
+          <a:ext cx="0" cy="0"/>
+          <a:chOff x="0" y="0"/>
+          <a:chExt cx="0" cy="0"/>
+        </a:xfrm>
+      </p:grpSpPr>
+      <p:sp>
+        <p:nvSpPr>
+          <p:cNvPr id="2" name="灯片编号占位符 1">
+            <a:extLst>
+              <a:ext uri="{FF2B5EF4-FFF2-40B4-BE49-F238E27FC236}">
+                <a16:creationId xmlns:a16="http://schemas.microsoft.com/office/drawing/2014/main" id="{917DEDFD-5B86-44E1-27B8-51801A5632DD}"/>
+              </a:ext>
+            </a:extLst>
+          </p:cNvPr>
+          <p:cNvSpPr>
+            <a:spLocks noGrp="1"/>
+          </p:cNvSpPr>
+          <p:nvPr>
+            <p:ph type="sldNum" sz="quarter" idx="12"/>
+          </p:nvPr>
+        </p:nvSpPr>
+        <p:spPr/>
+        <p:txBody>
+          <a:bodyPr/>
+          <a:lstStyle/>
+          <a:p>
+            <a:fld id="{565CE74E-AB26-4998-AD42-012C4C1AD076}" type="slidenum">
+              <a:rPr lang="zh-CN" altLang="en-US" smtClean="0"/>
+              <a:t>9</a:t>
+            </a:fld>
+            <a:endParaRPr lang="zh-CN" altLang="en-US"/>
+          </a:p>
+        </p:txBody>
+      </p:sp>
+      <p:pic>
+        <p:nvPicPr>
+          <p:cNvPr id="4" name="图片 3">
+            <a:extLst>
+              <a:ext uri="{FF2B5EF4-FFF2-40B4-BE49-F238E27FC236}">
+                <a16:creationId xmlns:a16="http://schemas.microsoft.com/office/drawing/2014/main" id="{821336B0-0625-577D-7E49-05474D53682A}"/>
+              </a:ext>
+            </a:extLst>
+          </p:cNvPr>
+          <p:cNvPicPr>
+            <a:picLocks noChangeAspect="1"/>
+          </p:cNvPicPr>
+          <p:nvPr/>
+        </p:nvPicPr>
+        <p:blipFill>
+          <a:blip r:embed="rId2"/>
+          <a:stretch>
+            <a:fillRect/>
+          </a:stretch>
+        </p:blipFill>
+        <p:spPr>
+          <a:xfrm>
+            <a:off x="1977304" y="581993"/>
+            <a:ext cx="7895565" cy="5694013"/>
+          </a:xfrm>
+          <a:prstGeom prst="rect">
+            <a:avLst/>
+          </a:prstGeom>
+        </p:spPr>
+      </p:pic>
+      <p:sp>
+        <p:nvSpPr>
+          <p:cNvPr id="5" name="矩形 4">
+            <a:extLst>
+              <a:ext uri="{FF2B5EF4-FFF2-40B4-BE49-F238E27FC236}">
+                <a16:creationId xmlns:a16="http://schemas.microsoft.com/office/drawing/2014/main" id="{1460F679-0885-EAF3-FC46-9E1ADC81E3E6}"/>
+              </a:ext>
+            </a:extLst>
+          </p:cNvPr>
+          <p:cNvSpPr/>
+          <p:nvPr/>
+        </p:nvSpPr>
+        <p:spPr>
+          <a:xfrm>
+            <a:off x="1" y="-2"/>
+            <a:ext cx="220551" cy="6858002"/>
+          </a:xfrm>
+          <a:prstGeom prst="rect">
+            <a:avLst/>
+          </a:prstGeom>
+          <a:gradFill>
+            <a:gsLst>
+              <a:gs pos="100000">
+                <a:srgbClr val="1C2F43"/>
+              </a:gs>
+              <a:gs pos="0">
+                <a:srgbClr val="46706E"/>
+              </a:gs>
+            </a:gsLst>
+            <a:lin ang="5400000" scaled="1"/>
+          </a:gradFill>
+          <a:ln>
+            <a:noFill/>
+          </a:ln>
+        </p:spPr>
+        <p:style>
+          <a:lnRef idx="2">
+            <a:schemeClr val="accent1">
+              <a:shade val="50000"/>
+            </a:schemeClr>
+          </a:lnRef>
+          <a:fillRef idx="1">
+            <a:schemeClr val="accent1"/>
+          </a:fillRef>
+          <a:effectRef idx="0">
+            <a:schemeClr val="accent1"/>
+          </a:effectRef>
+          <a:fontRef idx="minor">
+            <a:schemeClr val="lt1"/>
+          </a:fontRef>
+        </p:style>
+        <p:txBody>
+          <a:bodyPr rtlCol="0" anchor="ctr"/>
+          <a:lstStyle/>
+          <a:p>
+            <a:pPr marL="0" marR="0" lvl="0" indent="0" algn="ctr" defTabSz="914400" rtl="0" eaLnBrk="1" fontAlgn="auto" latinLnBrk="0" hangingPunct="1">
+              <a:lnSpc>
+                <a:spcPct val="100000"/>
+              </a:lnSpc>
+              <a:spcBef>
+                <a:spcPts val="0"/>
+              </a:spcBef>
+              <a:spcAft>
+                <a:spcPts val="0"/>
+              </a:spcAft>
+              <a:buClrTx/>
+              <a:buSzTx/>
+              <a:buFontTx/>
+              <a:buNone/>
+              <a:tabLst/>
+              <a:defRPr/>
+            </a:pPr>
+            <a:endParaRPr kumimoji="0" lang="zh-CN" altLang="en-US" sz="1800" b="0" i="0" u="none" strike="noStrike" kern="1200" cap="none" spc="0" normalizeH="0" baseline="0" noProof="0">
+              <a:ln>
+                <a:noFill/>
+              </a:ln>
+              <a:solidFill>
+                <a:prstClr val="white"/>
+              </a:solidFill>
+              <a:effectLst/>
+              <a:uLnTx/>
+              <a:uFillTx/>
+              <a:latin typeface="Calibri"/>
+              <a:ea typeface="微软雅黑" panose="020B0503020204020204" pitchFamily="34" charset="-122"/>
+              <a:cs typeface="+mn-cs"/>
+            </a:endParaRPr>
+          </a:p>
+        </p:txBody>
+      </p:sp>
+      <p:pic>
+        <p:nvPicPr>
+          <p:cNvPr id="6" name="图片 5">
+            <a:extLst>
+              <a:ext uri="{FF2B5EF4-FFF2-40B4-BE49-F238E27FC236}">
+                <a16:creationId xmlns:a16="http://schemas.microsoft.com/office/drawing/2014/main" id="{1E36AF2C-34E7-F19D-789A-218033FC2D63}"/>
+              </a:ext>
+            </a:extLst>
+          </p:cNvPr>
+          <p:cNvPicPr>
+            <a:picLocks noChangeAspect="1"/>
+          </p:cNvPicPr>
+          <p:nvPr/>
+        </p:nvPicPr>
+        <p:blipFill>
+          <a:blip r:embed="rId3"/>
+          <a:stretch>
+            <a:fillRect/>
+          </a:stretch>
+        </p:blipFill>
+        <p:spPr>
+          <a:xfrm>
+            <a:off x="11265327" y="-2"/>
+            <a:ext cx="926672" cy="926672"/>
+          </a:xfrm>
+          <a:prstGeom prst="rect">
+            <a:avLst/>
+          </a:prstGeom>
+        </p:spPr>
+      </p:pic>
+    </p:spTree>
+    <p:extLst>
+      <p:ext uri="{BB962C8B-B14F-4D97-AF65-F5344CB8AC3E}">
+        <p14:creationId xmlns:p14="http://schemas.microsoft.com/office/powerpoint/2010/main" val="878294223"/>
       </p:ext>
     </p:extLst>
   </p:cSld>

--- a/LBS_SMPL/LBS_SMPL.pptx
+++ b/LBS_SMPL/LBS_SMPL.pptx
@@ -10211,6 +10211,54 @@
           </a:prstGeom>
         </p:spPr>
       </p:pic>
+      <p:sp>
+        <p:nvSpPr>
+          <p:cNvPr id="6" name="文本框 5">
+            <a:extLst>
+              <a:ext uri="{FF2B5EF4-FFF2-40B4-BE49-F238E27FC236}">
+                <a16:creationId xmlns:a16="http://schemas.microsoft.com/office/drawing/2014/main" id="{E1C61EC5-3F15-1F8D-6F87-958032BDF459}"/>
+              </a:ext>
+            </a:extLst>
+          </p:cNvPr>
+          <p:cNvSpPr txBox="1"/>
+          <p:nvPr/>
+        </p:nvSpPr>
+        <p:spPr>
+          <a:xfrm>
+            <a:off x="1367576" y="1145161"/>
+            <a:ext cx="6096000" cy="923330"/>
+          </a:xfrm>
+          <a:prstGeom prst="rect">
+            <a:avLst/>
+          </a:prstGeom>
+          <a:noFill/>
+        </p:spPr>
+        <p:txBody>
+          <a:bodyPr wrap="square">
+            <a:spAutoFit/>
+          </a:bodyPr>
+          <a:lstStyle/>
+          <a:p>
+            <a:r>
+              <a:rPr lang="en-US" altLang="zh-CN" dirty="0"/>
+              <a:t>If inside multiple inner capsules, compute the distance to each </a:t>
+            </a:r>
+          </a:p>
+          <a:p>
+            <a:r>
+              <a:rPr lang="en-US" altLang="zh-CN" dirty="0"/>
+              <a:t>bone, and set the weights inverse proportional to the distance </a:t>
+            </a:r>
+          </a:p>
+          <a:p>
+            <a:r>
+              <a:rPr lang="en-US" altLang="zh-CN" dirty="0"/>
+              <a:t>with normalization</a:t>
+            </a:r>
+            <a:endParaRPr lang="zh-CN" altLang="en-US" dirty="0"/>
+          </a:p>
+        </p:txBody>
+      </p:sp>
     </p:spTree>
     <p:extLst>
       <p:ext uri="{BB962C8B-B14F-4D97-AF65-F5344CB8AC3E}">

--- a/LBS_SMPL/LBS_SMPL.pptx
+++ b/LBS_SMPL/LBS_SMPL.pptx
@@ -5,6 +5,9 @@
     <p:sldMasterId id="2147483648" r:id="rId1"/>
     <p:sldMasterId id="2147483660" r:id="rId2"/>
   </p:sldMasterIdLst>
+  <p:notesMasterIdLst>
+    <p:notesMasterId r:id="rId14"/>
+  </p:notesMasterIdLst>
   <p:sldIdLst>
     <p:sldId id="502" r:id="rId3"/>
     <p:sldId id="503" r:id="rId4"/>
@@ -15,6 +18,8 @@
     <p:sldId id="508" r:id="rId9"/>
     <p:sldId id="509" r:id="rId10"/>
     <p:sldId id="507" r:id="rId11"/>
+    <p:sldId id="510" r:id="rId12"/>
+    <p:sldId id="511" r:id="rId13"/>
   </p:sldIdLst>
   <p:sldSz cx="12192000" cy="6858000"/>
   <p:notesSz cx="6858000" cy="9144000"/>
@@ -132,6 +137,439 @@
 </p:presentation>
 </file>
 
+<file path=ppt/notesMasters/notesMaster1.xml><?xml version="1.0" encoding="utf-8"?>
+<p:notesMaster xmlns:a="http://schemas.openxmlformats.org/drawingml/2006/main" xmlns:r="http://schemas.openxmlformats.org/officeDocument/2006/relationships" xmlns:p="http://schemas.openxmlformats.org/presentationml/2006/main">
+  <p:cSld>
+    <p:bg>
+      <p:bgRef idx="1001">
+        <a:schemeClr val="bg1"/>
+      </p:bgRef>
+    </p:bg>
+    <p:spTree>
+      <p:nvGrpSpPr>
+        <p:cNvPr id="1" name=""/>
+        <p:cNvGrpSpPr/>
+        <p:nvPr/>
+      </p:nvGrpSpPr>
+      <p:grpSpPr>
+        <a:xfrm>
+          <a:off x="0" y="0"/>
+          <a:ext cx="0" cy="0"/>
+          <a:chOff x="0" y="0"/>
+          <a:chExt cx="0" cy="0"/>
+        </a:xfrm>
+      </p:grpSpPr>
+      <p:sp>
+        <p:nvSpPr>
+          <p:cNvPr id="2" name="页眉占位符 1"/>
+          <p:cNvSpPr>
+            <a:spLocks noGrp="1"/>
+          </p:cNvSpPr>
+          <p:nvPr>
+            <p:ph type="hdr" sz="quarter"/>
+          </p:nvPr>
+        </p:nvSpPr>
+        <p:spPr>
+          <a:xfrm>
+            <a:off x="0" y="0"/>
+            <a:ext cx="2971800" cy="458788"/>
+          </a:xfrm>
+          <a:prstGeom prst="rect">
+            <a:avLst/>
+          </a:prstGeom>
+        </p:spPr>
+        <p:txBody>
+          <a:bodyPr vert="horz" lIns="91440" tIns="45720" rIns="91440" bIns="45720" rtlCol="0"/>
+          <a:lstStyle>
+            <a:lvl1pPr algn="l">
+              <a:defRPr sz="1200"/>
+            </a:lvl1pPr>
+          </a:lstStyle>
+          <a:p>
+            <a:endParaRPr lang="zh-CN" altLang="en-US"/>
+          </a:p>
+        </p:txBody>
+      </p:sp>
+      <p:sp>
+        <p:nvSpPr>
+          <p:cNvPr id="3" name="日期占位符 2"/>
+          <p:cNvSpPr>
+            <a:spLocks noGrp="1"/>
+          </p:cNvSpPr>
+          <p:nvPr>
+            <p:ph type="dt" idx="1"/>
+          </p:nvPr>
+        </p:nvSpPr>
+        <p:spPr>
+          <a:xfrm>
+            <a:off x="3884613" y="0"/>
+            <a:ext cx="2971800" cy="458788"/>
+          </a:xfrm>
+          <a:prstGeom prst="rect">
+            <a:avLst/>
+          </a:prstGeom>
+        </p:spPr>
+        <p:txBody>
+          <a:bodyPr vert="horz" lIns="91440" tIns="45720" rIns="91440" bIns="45720" rtlCol="0"/>
+          <a:lstStyle>
+            <a:lvl1pPr algn="r">
+              <a:defRPr sz="1200"/>
+            </a:lvl1pPr>
+          </a:lstStyle>
+          <a:p>
+            <a:fld id="{54AC4CCD-EA9D-49BF-B5C8-ACDF8DD749B8}" type="datetimeFigureOut">
+              <a:rPr lang="zh-CN" altLang="en-US" smtClean="0"/>
+              <a:t>2024-04-04</a:t>
+            </a:fld>
+            <a:endParaRPr lang="zh-CN" altLang="en-US"/>
+          </a:p>
+        </p:txBody>
+      </p:sp>
+      <p:sp>
+        <p:nvSpPr>
+          <p:cNvPr id="4" name="幻灯片图像占位符 3"/>
+          <p:cNvSpPr>
+            <a:spLocks noGrp="1" noRot="1" noChangeAspect="1"/>
+          </p:cNvSpPr>
+          <p:nvPr>
+            <p:ph type="sldImg" idx="2"/>
+          </p:nvPr>
+        </p:nvSpPr>
+        <p:spPr>
+          <a:xfrm>
+            <a:off x="685800" y="1143000"/>
+            <a:ext cx="5486400" cy="3086100"/>
+          </a:xfrm>
+          <a:prstGeom prst="rect">
+            <a:avLst/>
+          </a:prstGeom>
+          <a:noFill/>
+          <a:ln w="12700">
+            <a:solidFill>
+              <a:prstClr val="black"/>
+            </a:solidFill>
+          </a:ln>
+        </p:spPr>
+        <p:txBody>
+          <a:bodyPr vert="horz" lIns="91440" tIns="45720" rIns="91440" bIns="45720" rtlCol="0" anchor="ctr"/>
+          <a:lstStyle/>
+          <a:p>
+            <a:endParaRPr lang="zh-CN" altLang="en-US"/>
+          </a:p>
+        </p:txBody>
+      </p:sp>
+      <p:sp>
+        <p:nvSpPr>
+          <p:cNvPr id="5" name="备注占位符 4"/>
+          <p:cNvSpPr>
+            <a:spLocks noGrp="1"/>
+          </p:cNvSpPr>
+          <p:nvPr>
+            <p:ph type="body" sz="quarter" idx="3"/>
+          </p:nvPr>
+        </p:nvSpPr>
+        <p:spPr>
+          <a:xfrm>
+            <a:off x="685800" y="4400550"/>
+            <a:ext cx="5486400" cy="3600450"/>
+          </a:xfrm>
+          <a:prstGeom prst="rect">
+            <a:avLst/>
+          </a:prstGeom>
+        </p:spPr>
+        <p:txBody>
+          <a:bodyPr vert="horz" lIns="91440" tIns="45720" rIns="91440" bIns="45720" rtlCol="0"/>
+          <a:lstStyle/>
+          <a:p>
+            <a:pPr lvl="0"/>
+            <a:r>
+              <a:rPr lang="zh-CN" altLang="en-US"/>
+              <a:t>单击此处编辑母版文本样式</a:t>
+            </a:r>
+          </a:p>
+          <a:p>
+            <a:pPr lvl="1"/>
+            <a:r>
+              <a:rPr lang="zh-CN" altLang="en-US"/>
+              <a:t>二级</a:t>
+            </a:r>
+          </a:p>
+          <a:p>
+            <a:pPr lvl="2"/>
+            <a:r>
+              <a:rPr lang="zh-CN" altLang="en-US"/>
+              <a:t>三级</a:t>
+            </a:r>
+          </a:p>
+          <a:p>
+            <a:pPr lvl="3"/>
+            <a:r>
+              <a:rPr lang="zh-CN" altLang="en-US"/>
+              <a:t>四级</a:t>
+            </a:r>
+          </a:p>
+          <a:p>
+            <a:pPr lvl="4"/>
+            <a:r>
+              <a:rPr lang="zh-CN" altLang="en-US"/>
+              <a:t>五级</a:t>
+            </a:r>
+          </a:p>
+        </p:txBody>
+      </p:sp>
+      <p:sp>
+        <p:nvSpPr>
+          <p:cNvPr id="6" name="页脚占位符 5"/>
+          <p:cNvSpPr>
+            <a:spLocks noGrp="1"/>
+          </p:cNvSpPr>
+          <p:nvPr>
+            <p:ph type="ftr" sz="quarter" idx="4"/>
+          </p:nvPr>
+        </p:nvSpPr>
+        <p:spPr>
+          <a:xfrm>
+            <a:off x="0" y="8685213"/>
+            <a:ext cx="2971800" cy="458787"/>
+          </a:xfrm>
+          <a:prstGeom prst="rect">
+            <a:avLst/>
+          </a:prstGeom>
+        </p:spPr>
+        <p:txBody>
+          <a:bodyPr vert="horz" lIns="91440" tIns="45720" rIns="91440" bIns="45720" rtlCol="0" anchor="b"/>
+          <a:lstStyle>
+            <a:lvl1pPr algn="l">
+              <a:defRPr sz="1200"/>
+            </a:lvl1pPr>
+          </a:lstStyle>
+          <a:p>
+            <a:endParaRPr lang="zh-CN" altLang="en-US"/>
+          </a:p>
+        </p:txBody>
+      </p:sp>
+      <p:sp>
+        <p:nvSpPr>
+          <p:cNvPr id="7" name="灯片编号占位符 6"/>
+          <p:cNvSpPr>
+            <a:spLocks noGrp="1"/>
+          </p:cNvSpPr>
+          <p:nvPr>
+            <p:ph type="sldNum" sz="quarter" idx="5"/>
+          </p:nvPr>
+        </p:nvSpPr>
+        <p:spPr>
+          <a:xfrm>
+            <a:off x="3884613" y="8685213"/>
+            <a:ext cx="2971800" cy="458787"/>
+          </a:xfrm>
+          <a:prstGeom prst="rect">
+            <a:avLst/>
+          </a:prstGeom>
+        </p:spPr>
+        <p:txBody>
+          <a:bodyPr vert="horz" lIns="91440" tIns="45720" rIns="91440" bIns="45720" rtlCol="0" anchor="b"/>
+          <a:lstStyle>
+            <a:lvl1pPr algn="r">
+              <a:defRPr sz="1200"/>
+            </a:lvl1pPr>
+          </a:lstStyle>
+          <a:p>
+            <a:fld id="{475935FB-6F2B-41B0-BD4B-6412D0DDE90C}" type="slidenum">
+              <a:rPr lang="zh-CN" altLang="en-US" smtClean="0"/>
+              <a:t>‹#›</a:t>
+            </a:fld>
+            <a:endParaRPr lang="zh-CN" altLang="en-US"/>
+          </a:p>
+        </p:txBody>
+      </p:sp>
+    </p:spTree>
+    <p:extLst>
+      <p:ext uri="{BB962C8B-B14F-4D97-AF65-F5344CB8AC3E}">
+        <p14:creationId xmlns:p14="http://schemas.microsoft.com/office/powerpoint/2010/main" val="216123159"/>
+      </p:ext>
+    </p:extLst>
+  </p:cSld>
+  <p:clrMap bg1="lt1" tx1="dk1" bg2="lt2" tx2="dk2" accent1="accent1" accent2="accent2" accent3="accent3" accent4="accent4" accent5="accent5" accent6="accent6" hlink="hlink" folHlink="folHlink"/>
+  <p:notesStyle>
+    <a:lvl1pPr marL="0" algn="l" defTabSz="914400" rtl="0" eaLnBrk="1" latinLnBrk="0" hangingPunct="1">
+      <a:defRPr sz="1200" kern="1200">
+        <a:solidFill>
+          <a:schemeClr val="tx1"/>
+        </a:solidFill>
+        <a:latin typeface="+mn-lt"/>
+        <a:ea typeface="+mn-ea"/>
+        <a:cs typeface="+mn-cs"/>
+      </a:defRPr>
+    </a:lvl1pPr>
+    <a:lvl2pPr marL="457200" algn="l" defTabSz="914400" rtl="0" eaLnBrk="1" latinLnBrk="0" hangingPunct="1">
+      <a:defRPr sz="1200" kern="1200">
+        <a:solidFill>
+          <a:schemeClr val="tx1"/>
+        </a:solidFill>
+        <a:latin typeface="+mn-lt"/>
+        <a:ea typeface="+mn-ea"/>
+        <a:cs typeface="+mn-cs"/>
+      </a:defRPr>
+    </a:lvl2pPr>
+    <a:lvl3pPr marL="914400" algn="l" defTabSz="914400" rtl="0" eaLnBrk="1" latinLnBrk="0" hangingPunct="1">
+      <a:defRPr sz="1200" kern="1200">
+        <a:solidFill>
+          <a:schemeClr val="tx1"/>
+        </a:solidFill>
+        <a:latin typeface="+mn-lt"/>
+        <a:ea typeface="+mn-ea"/>
+        <a:cs typeface="+mn-cs"/>
+      </a:defRPr>
+    </a:lvl3pPr>
+    <a:lvl4pPr marL="1371600" algn="l" defTabSz="914400" rtl="0" eaLnBrk="1" latinLnBrk="0" hangingPunct="1">
+      <a:defRPr sz="1200" kern="1200">
+        <a:solidFill>
+          <a:schemeClr val="tx1"/>
+        </a:solidFill>
+        <a:latin typeface="+mn-lt"/>
+        <a:ea typeface="+mn-ea"/>
+        <a:cs typeface="+mn-cs"/>
+      </a:defRPr>
+    </a:lvl4pPr>
+    <a:lvl5pPr marL="1828800" algn="l" defTabSz="914400" rtl="0" eaLnBrk="1" latinLnBrk="0" hangingPunct="1">
+      <a:defRPr sz="1200" kern="1200">
+        <a:solidFill>
+          <a:schemeClr val="tx1"/>
+        </a:solidFill>
+        <a:latin typeface="+mn-lt"/>
+        <a:ea typeface="+mn-ea"/>
+        <a:cs typeface="+mn-cs"/>
+      </a:defRPr>
+    </a:lvl5pPr>
+    <a:lvl6pPr marL="2286000" algn="l" defTabSz="914400" rtl="0" eaLnBrk="1" latinLnBrk="0" hangingPunct="1">
+      <a:defRPr sz="1200" kern="1200">
+        <a:solidFill>
+          <a:schemeClr val="tx1"/>
+        </a:solidFill>
+        <a:latin typeface="+mn-lt"/>
+        <a:ea typeface="+mn-ea"/>
+        <a:cs typeface="+mn-cs"/>
+      </a:defRPr>
+    </a:lvl6pPr>
+    <a:lvl7pPr marL="2743200" algn="l" defTabSz="914400" rtl="0" eaLnBrk="1" latinLnBrk="0" hangingPunct="1">
+      <a:defRPr sz="1200" kern="1200">
+        <a:solidFill>
+          <a:schemeClr val="tx1"/>
+        </a:solidFill>
+        <a:latin typeface="+mn-lt"/>
+        <a:ea typeface="+mn-ea"/>
+        <a:cs typeface="+mn-cs"/>
+      </a:defRPr>
+    </a:lvl7pPr>
+    <a:lvl8pPr marL="3200400" algn="l" defTabSz="914400" rtl="0" eaLnBrk="1" latinLnBrk="0" hangingPunct="1">
+      <a:defRPr sz="1200" kern="1200">
+        <a:solidFill>
+          <a:schemeClr val="tx1"/>
+        </a:solidFill>
+        <a:latin typeface="+mn-lt"/>
+        <a:ea typeface="+mn-ea"/>
+        <a:cs typeface="+mn-cs"/>
+      </a:defRPr>
+    </a:lvl8pPr>
+    <a:lvl9pPr marL="3657600" algn="l" defTabSz="914400" rtl="0" eaLnBrk="1" latinLnBrk="0" hangingPunct="1">
+      <a:defRPr sz="1200" kern="1200">
+        <a:solidFill>
+          <a:schemeClr val="tx1"/>
+        </a:solidFill>
+        <a:latin typeface="+mn-lt"/>
+        <a:ea typeface="+mn-ea"/>
+        <a:cs typeface="+mn-cs"/>
+      </a:defRPr>
+    </a:lvl9pPr>
+  </p:notesStyle>
+</p:notesMaster>
+</file>
+
+<file path=ppt/notesSlides/notesSlide1.xml><?xml version="1.0" encoding="utf-8"?>
+<p:notes xmlns:a="http://schemas.openxmlformats.org/drawingml/2006/main" xmlns:r="http://schemas.openxmlformats.org/officeDocument/2006/relationships" xmlns:p="http://schemas.openxmlformats.org/presentationml/2006/main">
+  <p:cSld>
+    <p:spTree>
+      <p:nvGrpSpPr>
+        <p:cNvPr id="1" name=""/>
+        <p:cNvGrpSpPr/>
+        <p:nvPr/>
+      </p:nvGrpSpPr>
+      <p:grpSpPr>
+        <a:xfrm>
+          <a:off x="0" y="0"/>
+          <a:ext cx="0" cy="0"/>
+          <a:chOff x="0" y="0"/>
+          <a:chExt cx="0" cy="0"/>
+        </a:xfrm>
+      </p:grpSpPr>
+      <p:sp>
+        <p:nvSpPr>
+          <p:cNvPr id="2" name="幻灯片图像占位符 1"/>
+          <p:cNvSpPr>
+            <a:spLocks noGrp="1" noRot="1" noChangeAspect="1"/>
+          </p:cNvSpPr>
+          <p:nvPr>
+            <p:ph type="sldImg"/>
+          </p:nvPr>
+        </p:nvSpPr>
+        <p:spPr/>
+      </p:sp>
+      <p:sp>
+        <p:nvSpPr>
+          <p:cNvPr id="3" name="备注占位符 2"/>
+          <p:cNvSpPr>
+            <a:spLocks noGrp="1"/>
+          </p:cNvSpPr>
+          <p:nvPr>
+            <p:ph type="body" idx="1"/>
+          </p:nvPr>
+        </p:nvSpPr>
+        <p:spPr/>
+        <p:txBody>
+          <a:bodyPr/>
+          <a:lstStyle/>
+          <a:p>
+            <a:endParaRPr lang="zh-CN" altLang="en-US" dirty="0"/>
+          </a:p>
+        </p:txBody>
+      </p:sp>
+      <p:sp>
+        <p:nvSpPr>
+          <p:cNvPr id="4" name="灯片编号占位符 3"/>
+          <p:cNvSpPr>
+            <a:spLocks noGrp="1"/>
+          </p:cNvSpPr>
+          <p:nvPr>
+            <p:ph type="sldNum" sz="quarter" idx="5"/>
+          </p:nvPr>
+        </p:nvSpPr>
+        <p:spPr/>
+        <p:txBody>
+          <a:bodyPr/>
+          <a:lstStyle/>
+          <a:p>
+            <a:fld id="{475935FB-6F2B-41B0-BD4B-6412D0DDE90C}" type="slidenum">
+              <a:rPr lang="zh-CN" altLang="en-US" smtClean="0"/>
+              <a:t>10</a:t>
+            </a:fld>
+            <a:endParaRPr lang="zh-CN" altLang="en-US"/>
+          </a:p>
+        </p:txBody>
+      </p:sp>
+    </p:spTree>
+    <p:extLst>
+      <p:ext uri="{BB962C8B-B14F-4D97-AF65-F5344CB8AC3E}">
+        <p14:creationId xmlns:p14="http://schemas.microsoft.com/office/powerpoint/2010/main" val="2207519828"/>
+      </p:ext>
+    </p:extLst>
+  </p:cSld>
+  <p:clrMapOvr>
+    <a:masterClrMapping/>
+  </p:clrMapOvr>
+</p:notes>
+</file>
+
 <file path=ppt/slideLayouts/slideLayout1.xml><?xml version="1.0" encoding="utf-8"?>
 <p:sldLayout xmlns:a="http://schemas.openxmlformats.org/drawingml/2006/main" xmlns:r="http://schemas.openxmlformats.org/officeDocument/2006/relationships" xmlns:p="http://schemas.openxmlformats.org/presentationml/2006/main" type="title" preserve="1">
   <p:cSld name="标题幻灯片">
@@ -279,7 +717,7 @@
           <a:p>
             <a:fld id="{F6FBBD45-748A-4953-9F37-4B072DEE542B}" type="datetimeFigureOut">
               <a:rPr lang="zh-CN" altLang="en-US" smtClean="0"/>
-              <a:t>2024-04-03</a:t>
+              <a:t>2024-04-04</a:t>
             </a:fld>
             <a:endParaRPr lang="zh-CN" altLang="en-US"/>
           </a:p>
@@ -477,7 +915,7 @@
           <a:p>
             <a:fld id="{F6FBBD45-748A-4953-9F37-4B072DEE542B}" type="datetimeFigureOut">
               <a:rPr lang="zh-CN" altLang="en-US" smtClean="0"/>
-              <a:t>2024-04-03</a:t>
+              <a:t>2024-04-04</a:t>
             </a:fld>
             <a:endParaRPr lang="zh-CN" altLang="en-US"/>
           </a:p>
@@ -685,7 +1123,7 @@
           <a:p>
             <a:fld id="{F6FBBD45-748A-4953-9F37-4B072DEE542B}" type="datetimeFigureOut">
               <a:rPr lang="zh-CN" altLang="en-US" smtClean="0"/>
-              <a:t>2024-04-03</a:t>
+              <a:t>2024-04-04</a:t>
             </a:fld>
             <a:endParaRPr lang="zh-CN" altLang="en-US"/>
           </a:p>
@@ -887,7 +1325,7 @@
           <a:p>
             <a:fld id="{D997B5FA-0921-464F-AAE1-844C04324D75}" type="datetimeFigureOut">
               <a:rPr lang="zh-CN" altLang="en-US" smtClean="0"/>
-              <a:t>2024-04-03</a:t>
+              <a:t>2024-04-04</a:t>
             </a:fld>
             <a:endParaRPr lang="zh-CN" altLang="en-US"/>
           </a:p>
@@ -1056,7 +1494,7 @@
           <a:p>
             <a:fld id="{D997B5FA-0921-464F-AAE1-844C04324D75}" type="datetimeFigureOut">
               <a:rPr lang="zh-CN" altLang="en-US" smtClean="0"/>
-              <a:t>2024-04-03</a:t>
+              <a:t>2024-04-04</a:t>
             </a:fld>
             <a:endParaRPr lang="zh-CN" altLang="en-US"/>
           </a:p>
@@ -1302,7 +1740,7 @@
           <a:p>
             <a:fld id="{D997B5FA-0921-464F-AAE1-844C04324D75}" type="datetimeFigureOut">
               <a:rPr lang="zh-CN" altLang="en-US" smtClean="0"/>
-              <a:t>2024-04-03</a:t>
+              <a:t>2024-04-04</a:t>
             </a:fld>
             <a:endParaRPr lang="zh-CN" altLang="en-US"/>
           </a:p>
@@ -1532,7 +1970,7 @@
           <a:p>
             <a:fld id="{D997B5FA-0921-464F-AAE1-844C04324D75}" type="datetimeFigureOut">
               <a:rPr lang="zh-CN" altLang="en-US" smtClean="0"/>
-              <a:t>2024-04-03</a:t>
+              <a:t>2024-04-04</a:t>
             </a:fld>
             <a:endParaRPr lang="zh-CN" altLang="en-US"/>
           </a:p>
@@ -1897,7 +2335,7 @@
           <a:p>
             <a:fld id="{D997B5FA-0921-464F-AAE1-844C04324D75}" type="datetimeFigureOut">
               <a:rPr lang="zh-CN" altLang="en-US" smtClean="0"/>
-              <a:t>2024-04-03</a:t>
+              <a:t>2024-04-04</a:t>
             </a:fld>
             <a:endParaRPr lang="zh-CN" altLang="en-US"/>
           </a:p>
@@ -2015,7 +2453,7 @@
           <a:p>
             <a:fld id="{D997B5FA-0921-464F-AAE1-844C04324D75}" type="datetimeFigureOut">
               <a:rPr lang="zh-CN" altLang="en-US" smtClean="0"/>
-              <a:t>2024-04-03</a:t>
+              <a:t>2024-04-04</a:t>
             </a:fld>
             <a:endParaRPr lang="zh-CN" altLang="en-US"/>
           </a:p>
@@ -2111,7 +2549,7 @@
           <a:p>
             <a:fld id="{D997B5FA-0921-464F-AAE1-844C04324D75}" type="datetimeFigureOut">
               <a:rPr lang="zh-CN" altLang="en-US" smtClean="0"/>
-              <a:t>2024-04-03</a:t>
+              <a:t>2024-04-04</a:t>
             </a:fld>
             <a:endParaRPr lang="zh-CN" altLang="en-US"/>
           </a:p>
@@ -2387,7 +2825,7 @@
           <a:p>
             <a:fld id="{D997B5FA-0921-464F-AAE1-844C04324D75}" type="datetimeFigureOut">
               <a:rPr lang="zh-CN" altLang="en-US" smtClean="0"/>
-              <a:t>2024-04-03</a:t>
+              <a:t>2024-04-04</a:t>
             </a:fld>
             <a:endParaRPr lang="zh-CN" altLang="en-US"/>
           </a:p>
@@ -2574,7 +3012,7 @@
           <a:p>
             <a:fld id="{F6FBBD45-748A-4953-9F37-4B072DEE542B}" type="datetimeFigureOut">
               <a:rPr lang="zh-CN" altLang="en-US" smtClean="0"/>
-              <a:t>2024-04-03</a:t>
+              <a:t>2024-04-04</a:t>
             </a:fld>
             <a:endParaRPr lang="zh-CN" altLang="en-US"/>
           </a:p>
@@ -2838,7 +3276,7 @@
           <a:p>
             <a:fld id="{D997B5FA-0921-464F-AAE1-844C04324D75}" type="datetimeFigureOut">
               <a:rPr lang="zh-CN" altLang="en-US" smtClean="0"/>
-              <a:t>2024-04-03</a:t>
+              <a:t>2024-04-04</a:t>
             </a:fld>
             <a:endParaRPr lang="zh-CN" altLang="en-US"/>
           </a:p>
@@ -3007,7 +3445,7 @@
           <a:p>
             <a:fld id="{D997B5FA-0921-464F-AAE1-844C04324D75}" type="datetimeFigureOut">
               <a:rPr lang="zh-CN" altLang="en-US" smtClean="0"/>
-              <a:t>2024-04-03</a:t>
+              <a:t>2024-04-04</a:t>
             </a:fld>
             <a:endParaRPr lang="zh-CN" altLang="en-US"/>
           </a:p>
@@ -3186,7 +3624,7 @@
           <a:p>
             <a:fld id="{D997B5FA-0921-464F-AAE1-844C04324D75}" type="datetimeFigureOut">
               <a:rPr lang="zh-CN" altLang="en-US" smtClean="0"/>
-              <a:t>2024-04-03</a:t>
+              <a:t>2024-04-04</a:t>
             </a:fld>
             <a:endParaRPr lang="zh-CN" altLang="en-US"/>
           </a:p>
@@ -3507,7 +3945,7 @@
           <a:p>
             <a:fld id="{F6FBBD45-748A-4953-9F37-4B072DEE542B}" type="datetimeFigureOut">
               <a:rPr lang="zh-CN" altLang="en-US" smtClean="0"/>
-              <a:t>2024-04-03</a:t>
+              <a:t>2024-04-04</a:t>
             </a:fld>
             <a:endParaRPr lang="zh-CN" altLang="en-US"/>
           </a:p>
@@ -3772,7 +4210,7 @@
           <a:p>
             <a:fld id="{F6FBBD45-748A-4953-9F37-4B072DEE542B}" type="datetimeFigureOut">
               <a:rPr lang="zh-CN" altLang="en-US" smtClean="0"/>
-              <a:t>2024-04-03</a:t>
+              <a:t>2024-04-04</a:t>
             </a:fld>
             <a:endParaRPr lang="zh-CN" altLang="en-US"/>
           </a:p>
@@ -4184,7 +4622,7 @@
           <a:p>
             <a:fld id="{F6FBBD45-748A-4953-9F37-4B072DEE542B}" type="datetimeFigureOut">
               <a:rPr lang="zh-CN" altLang="en-US" smtClean="0"/>
-              <a:t>2024-04-03</a:t>
+              <a:t>2024-04-04</a:t>
             </a:fld>
             <a:endParaRPr lang="zh-CN" altLang="en-US"/>
           </a:p>
@@ -4325,7 +4763,7 @@
           <a:p>
             <a:fld id="{F6FBBD45-748A-4953-9F37-4B072DEE542B}" type="datetimeFigureOut">
               <a:rPr lang="zh-CN" altLang="en-US" smtClean="0"/>
-              <a:t>2024-04-03</a:t>
+              <a:t>2024-04-04</a:t>
             </a:fld>
             <a:endParaRPr lang="zh-CN" altLang="en-US"/>
           </a:p>
@@ -4438,7 +4876,7 @@
           <a:p>
             <a:fld id="{F6FBBD45-748A-4953-9F37-4B072DEE542B}" type="datetimeFigureOut">
               <a:rPr lang="zh-CN" altLang="en-US" smtClean="0"/>
-              <a:t>2024-04-03</a:t>
+              <a:t>2024-04-04</a:t>
             </a:fld>
             <a:endParaRPr lang="zh-CN" altLang="en-US"/>
           </a:p>
@@ -4749,7 +5187,7 @@
           <a:p>
             <a:fld id="{F6FBBD45-748A-4953-9F37-4B072DEE542B}" type="datetimeFigureOut">
               <a:rPr lang="zh-CN" altLang="en-US" smtClean="0"/>
-              <a:t>2024-04-03</a:t>
+              <a:t>2024-04-04</a:t>
             </a:fld>
             <a:endParaRPr lang="zh-CN" altLang="en-US"/>
           </a:p>
@@ -5037,7 +5475,7 @@
           <a:p>
             <a:fld id="{F6FBBD45-748A-4953-9F37-4B072DEE542B}" type="datetimeFigureOut">
               <a:rPr lang="zh-CN" altLang="en-US" smtClean="0"/>
-              <a:t>2024-04-03</a:t>
+              <a:t>2024-04-04</a:t>
             </a:fld>
             <a:endParaRPr lang="zh-CN" altLang="en-US"/>
           </a:p>
@@ -5278,7 +5716,7 @@
           <a:p>
             <a:fld id="{F6FBBD45-748A-4953-9F37-4B072DEE542B}" type="datetimeFigureOut">
               <a:rPr lang="zh-CN" altLang="en-US" smtClean="0"/>
-              <a:t>2024-04-03</a:t>
+              <a:t>2024-04-04</a:t>
             </a:fld>
             <a:endParaRPr lang="zh-CN" altLang="en-US"/>
           </a:p>
@@ -5839,7 +6277,7 @@
           <a:p>
             <a:fld id="{D997B5FA-0921-464F-AAE1-844C04324D75}" type="datetimeFigureOut">
               <a:rPr lang="zh-CN" altLang="en-US" smtClean="0"/>
-              <a:t>2024-04-03</a:t>
+              <a:t>2024-04-04</a:t>
             </a:fld>
             <a:endParaRPr lang="zh-CN" altLang="en-US"/>
           </a:p>
@@ -6822,6 +7260,742 @@
 </p:sld>
 </file>
 
+<file path=ppt/slides/slide10.xml><?xml version="1.0" encoding="utf-8"?>
+<p:sld xmlns:a="http://schemas.openxmlformats.org/drawingml/2006/main" xmlns:r="http://schemas.openxmlformats.org/officeDocument/2006/relationships" xmlns:p="http://schemas.openxmlformats.org/presentationml/2006/main">
+  <p:cSld>
+    <p:spTree>
+      <p:nvGrpSpPr>
+        <p:cNvPr id="1" name=""/>
+        <p:cNvGrpSpPr/>
+        <p:nvPr/>
+      </p:nvGrpSpPr>
+      <p:grpSpPr>
+        <a:xfrm>
+          <a:off x="0" y="0"/>
+          <a:ext cx="0" cy="0"/>
+          <a:chOff x="0" y="0"/>
+          <a:chExt cx="0" cy="0"/>
+        </a:xfrm>
+      </p:grpSpPr>
+      <p:sp>
+        <p:nvSpPr>
+          <p:cNvPr id="2" name="灯片编号占位符 1">
+            <a:extLst>
+              <a:ext uri="{FF2B5EF4-FFF2-40B4-BE49-F238E27FC236}">
+                <a16:creationId xmlns:a16="http://schemas.microsoft.com/office/drawing/2014/main" id="{83F25B8D-5600-9642-9201-5353BCDFB5A0}"/>
+              </a:ext>
+            </a:extLst>
+          </p:cNvPr>
+          <p:cNvSpPr>
+            <a:spLocks noGrp="1"/>
+          </p:cNvSpPr>
+          <p:nvPr>
+            <p:ph type="sldNum" sz="quarter" idx="12"/>
+          </p:nvPr>
+        </p:nvSpPr>
+        <p:spPr/>
+        <p:txBody>
+          <a:bodyPr/>
+          <a:lstStyle/>
+          <a:p>
+            <a:fld id="{565CE74E-AB26-4998-AD42-012C4C1AD076}" type="slidenum">
+              <a:rPr lang="zh-CN" altLang="en-US" smtClean="0"/>
+              <a:t>10</a:t>
+            </a:fld>
+            <a:endParaRPr lang="zh-CN" altLang="en-US"/>
+          </a:p>
+        </p:txBody>
+      </p:sp>
+      <p:sp>
+        <p:nvSpPr>
+          <p:cNvPr id="3" name="矩形 2">
+            <a:extLst>
+              <a:ext uri="{FF2B5EF4-FFF2-40B4-BE49-F238E27FC236}">
+                <a16:creationId xmlns:a16="http://schemas.microsoft.com/office/drawing/2014/main" id="{475760DC-4AB9-2307-11C6-84FD885CF376}"/>
+              </a:ext>
+            </a:extLst>
+          </p:cNvPr>
+          <p:cNvSpPr/>
+          <p:nvPr/>
+        </p:nvSpPr>
+        <p:spPr>
+          <a:xfrm>
+            <a:off x="1" y="-2"/>
+            <a:ext cx="220551" cy="6858002"/>
+          </a:xfrm>
+          <a:prstGeom prst="rect">
+            <a:avLst/>
+          </a:prstGeom>
+          <a:gradFill>
+            <a:gsLst>
+              <a:gs pos="100000">
+                <a:srgbClr val="1C2F43"/>
+              </a:gs>
+              <a:gs pos="0">
+                <a:srgbClr val="46706E"/>
+              </a:gs>
+            </a:gsLst>
+            <a:lin ang="5400000" scaled="1"/>
+          </a:gradFill>
+          <a:ln>
+            <a:noFill/>
+          </a:ln>
+        </p:spPr>
+        <p:style>
+          <a:lnRef idx="2">
+            <a:schemeClr val="accent1">
+              <a:shade val="50000"/>
+            </a:schemeClr>
+          </a:lnRef>
+          <a:fillRef idx="1">
+            <a:schemeClr val="accent1"/>
+          </a:fillRef>
+          <a:effectRef idx="0">
+            <a:schemeClr val="accent1"/>
+          </a:effectRef>
+          <a:fontRef idx="minor">
+            <a:schemeClr val="lt1"/>
+          </a:fontRef>
+        </p:style>
+        <p:txBody>
+          <a:bodyPr rtlCol="0" anchor="ctr"/>
+          <a:lstStyle/>
+          <a:p>
+            <a:pPr marL="0" marR="0" lvl="0" indent="0" algn="ctr" defTabSz="914400" rtl="0" eaLnBrk="1" fontAlgn="auto" latinLnBrk="0" hangingPunct="1">
+              <a:lnSpc>
+                <a:spcPct val="100000"/>
+              </a:lnSpc>
+              <a:spcBef>
+                <a:spcPts val="0"/>
+              </a:spcBef>
+              <a:spcAft>
+                <a:spcPts val="0"/>
+              </a:spcAft>
+              <a:buClrTx/>
+              <a:buSzTx/>
+              <a:buFontTx/>
+              <a:buNone/>
+              <a:tabLst/>
+              <a:defRPr/>
+            </a:pPr>
+            <a:endParaRPr kumimoji="0" lang="zh-CN" altLang="en-US" sz="1800" b="0" i="0" u="none" strike="noStrike" kern="1200" cap="none" spc="0" normalizeH="0" baseline="0" noProof="0">
+              <a:ln>
+                <a:noFill/>
+              </a:ln>
+              <a:solidFill>
+                <a:prstClr val="white"/>
+              </a:solidFill>
+              <a:effectLst/>
+              <a:uLnTx/>
+              <a:uFillTx/>
+              <a:latin typeface="Calibri"/>
+              <a:ea typeface="微软雅黑" panose="020B0503020204020204" pitchFamily="34" charset="-122"/>
+              <a:cs typeface="+mn-cs"/>
+            </a:endParaRPr>
+          </a:p>
+        </p:txBody>
+      </p:sp>
+      <p:pic>
+        <p:nvPicPr>
+          <p:cNvPr id="4" name="图片 3">
+            <a:extLst>
+              <a:ext uri="{FF2B5EF4-FFF2-40B4-BE49-F238E27FC236}">
+                <a16:creationId xmlns:a16="http://schemas.microsoft.com/office/drawing/2014/main" id="{5DA7AD4F-4E6A-56EF-9926-5B93488EEE96}"/>
+              </a:ext>
+            </a:extLst>
+          </p:cNvPr>
+          <p:cNvPicPr>
+            <a:picLocks noChangeAspect="1"/>
+          </p:cNvPicPr>
+          <p:nvPr/>
+        </p:nvPicPr>
+        <p:blipFill>
+          <a:blip r:embed="rId3"/>
+          <a:stretch>
+            <a:fillRect/>
+          </a:stretch>
+        </p:blipFill>
+        <p:spPr>
+          <a:xfrm>
+            <a:off x="11265327" y="-2"/>
+            <a:ext cx="926672" cy="926672"/>
+          </a:xfrm>
+          <a:prstGeom prst="rect">
+            <a:avLst/>
+          </a:prstGeom>
+        </p:spPr>
+      </p:pic>
+      <p:pic>
+        <p:nvPicPr>
+          <p:cNvPr id="5" name="图片 4">
+            <a:extLst>
+              <a:ext uri="{FF2B5EF4-FFF2-40B4-BE49-F238E27FC236}">
+                <a16:creationId xmlns:a16="http://schemas.microsoft.com/office/drawing/2014/main" id="{8B3035E1-32EB-C461-3ED6-2F6B3366A2F4}"/>
+              </a:ext>
+            </a:extLst>
+          </p:cNvPr>
+          <p:cNvPicPr>
+            <a:picLocks noChangeAspect="1"/>
+          </p:cNvPicPr>
+          <p:nvPr/>
+        </p:nvPicPr>
+        <p:blipFill>
+          <a:blip r:embed="rId4"/>
+          <a:stretch>
+            <a:fillRect/>
+          </a:stretch>
+        </p:blipFill>
+        <p:spPr>
+          <a:xfrm>
+            <a:off x="485347" y="243859"/>
+            <a:ext cx="219475" cy="219475"/>
+          </a:xfrm>
+          <a:prstGeom prst="rect">
+            <a:avLst/>
+          </a:prstGeom>
+        </p:spPr>
+      </p:pic>
+      <p:sp>
+        <p:nvSpPr>
+          <p:cNvPr id="6" name="文本框 5">
+            <a:extLst>
+              <a:ext uri="{FF2B5EF4-FFF2-40B4-BE49-F238E27FC236}">
+                <a16:creationId xmlns:a16="http://schemas.microsoft.com/office/drawing/2014/main" id="{8B4BE2AC-64B5-46D6-AB91-BE91CA023CB0}"/>
+              </a:ext>
+            </a:extLst>
+          </p:cNvPr>
+          <p:cNvSpPr txBox="1"/>
+          <p:nvPr/>
+        </p:nvSpPr>
+        <p:spPr>
+          <a:xfrm>
+            <a:off x="969617" y="173828"/>
+            <a:ext cx="5148470" cy="400110"/>
+          </a:xfrm>
+          <a:prstGeom prst="rect">
+            <a:avLst/>
+          </a:prstGeom>
+          <a:noFill/>
+        </p:spPr>
+        <p:txBody>
+          <a:bodyPr wrap="square" rtlCol="0">
+            <a:spAutoFit/>
+          </a:bodyPr>
+          <a:lstStyle/>
+          <a:p>
+            <a:r>
+              <a:rPr lang="en-US" altLang="zh-CN" sz="2000" b="1" dirty="0">
+                <a:latin typeface="Times New Roman" panose="02020603050405020304" pitchFamily="18" charset="0"/>
+                <a:cs typeface="Times New Roman" panose="02020603050405020304" pitchFamily="18" charset="0"/>
+              </a:rPr>
+              <a:t>SMPL</a:t>
+            </a:r>
+            <a:endParaRPr lang="zh-CN" altLang="en-US" sz="2000" b="1" dirty="0">
+              <a:latin typeface="Times New Roman" panose="02020603050405020304" pitchFamily="18" charset="0"/>
+              <a:cs typeface="Times New Roman" panose="02020603050405020304" pitchFamily="18" charset="0"/>
+            </a:endParaRPr>
+          </a:p>
+        </p:txBody>
+      </p:sp>
+      <p:pic>
+        <p:nvPicPr>
+          <p:cNvPr id="10" name="图片 9">
+            <a:extLst>
+              <a:ext uri="{FF2B5EF4-FFF2-40B4-BE49-F238E27FC236}">
+                <a16:creationId xmlns:a16="http://schemas.microsoft.com/office/drawing/2014/main" id="{6E11C823-1425-532B-DAF2-D48AA49D24B9}"/>
+              </a:ext>
+            </a:extLst>
+          </p:cNvPr>
+          <p:cNvPicPr>
+            <a:picLocks noChangeAspect="1"/>
+          </p:cNvPicPr>
+          <p:nvPr/>
+        </p:nvPicPr>
+        <p:blipFill>
+          <a:blip r:embed="rId5"/>
+          <a:stretch>
+            <a:fillRect/>
+          </a:stretch>
+        </p:blipFill>
+        <p:spPr>
+          <a:xfrm>
+            <a:off x="5379953" y="994843"/>
+            <a:ext cx="6235577" cy="1953636"/>
+          </a:xfrm>
+          <a:prstGeom prst="rect">
+            <a:avLst/>
+          </a:prstGeom>
+        </p:spPr>
+      </p:pic>
+      <p:sp>
+        <p:nvSpPr>
+          <p:cNvPr id="12" name="文本框 11">
+            <a:extLst>
+              <a:ext uri="{FF2B5EF4-FFF2-40B4-BE49-F238E27FC236}">
+                <a16:creationId xmlns:a16="http://schemas.microsoft.com/office/drawing/2014/main" id="{26A53641-501C-E5CD-6679-E3E90C003C9A}"/>
+              </a:ext>
+            </a:extLst>
+          </p:cNvPr>
+          <p:cNvSpPr txBox="1"/>
+          <p:nvPr/>
+        </p:nvSpPr>
+        <p:spPr>
+          <a:xfrm>
+            <a:off x="704822" y="884239"/>
+            <a:ext cx="7653130" cy="1289071"/>
+          </a:xfrm>
+          <a:prstGeom prst="rect">
+            <a:avLst/>
+          </a:prstGeom>
+          <a:noFill/>
+        </p:spPr>
+        <p:txBody>
+          <a:bodyPr wrap="square">
+            <a:spAutoFit/>
+          </a:bodyPr>
+          <a:lstStyle/>
+          <a:p>
+            <a:pPr algn="just">
+              <a:lnSpc>
+                <a:spcPct val="150000"/>
+              </a:lnSpc>
+            </a:pPr>
+            <a:r>
+              <a:rPr lang="en-US" altLang="zh-CN" dirty="0">
+                <a:latin typeface="Times New Roman" panose="02020603050405020304" pitchFamily="18" charset="0"/>
+                <a:cs typeface="Times New Roman" panose="02020603050405020304" pitchFamily="18" charset="0"/>
+              </a:rPr>
+              <a:t>SMPL is divided into two sets of parameters: </a:t>
+            </a:r>
+          </a:p>
+          <a:p>
+            <a:pPr marL="285750" indent="-285750" algn="just">
+              <a:lnSpc>
+                <a:spcPct val="150000"/>
+              </a:lnSpc>
+              <a:buFont typeface="Arial" panose="020B0604020202020204" pitchFamily="34" charset="0"/>
+              <a:buChar char="•"/>
+            </a:pPr>
+            <a:r>
+              <a:rPr lang="en-US" altLang="zh-CN" dirty="0">
+                <a:latin typeface="Times New Roman" panose="02020603050405020304" pitchFamily="18" charset="0"/>
+                <a:cs typeface="Times New Roman" panose="02020603050405020304" pitchFamily="18" charset="0"/>
+              </a:rPr>
+              <a:t>body shape parameters β</a:t>
+            </a:r>
+          </a:p>
+          <a:p>
+            <a:pPr marL="285750" indent="-285750" algn="just">
+              <a:lnSpc>
+                <a:spcPct val="150000"/>
+              </a:lnSpc>
+              <a:buFont typeface="Arial" panose="020B0604020202020204" pitchFamily="34" charset="0"/>
+              <a:buChar char="•"/>
+            </a:pPr>
+            <a:r>
+              <a:rPr lang="en-US" altLang="zh-CN" dirty="0">
+                <a:latin typeface="Times New Roman" panose="02020603050405020304" pitchFamily="18" charset="0"/>
+                <a:cs typeface="Times New Roman" panose="02020603050405020304" pitchFamily="18" charset="0"/>
+              </a:rPr>
+              <a:t>body pose parameters θ. </a:t>
+            </a:r>
+          </a:p>
+        </p:txBody>
+      </p:sp>
+      <p:pic>
+        <p:nvPicPr>
+          <p:cNvPr id="16" name="图片 15">
+            <a:extLst>
+              <a:ext uri="{FF2B5EF4-FFF2-40B4-BE49-F238E27FC236}">
+                <a16:creationId xmlns:a16="http://schemas.microsoft.com/office/drawing/2014/main" id="{2D7591A1-0085-A018-1A4E-42A12BBF01DC}"/>
+              </a:ext>
+            </a:extLst>
+          </p:cNvPr>
+          <p:cNvPicPr>
+            <a:picLocks noChangeAspect="1"/>
+          </p:cNvPicPr>
+          <p:nvPr/>
+        </p:nvPicPr>
+        <p:blipFill>
+          <a:blip r:embed="rId6"/>
+          <a:stretch>
+            <a:fillRect/>
+          </a:stretch>
+        </p:blipFill>
+        <p:spPr>
+          <a:xfrm>
+            <a:off x="539740" y="3314544"/>
+            <a:ext cx="5785147" cy="3041806"/>
+          </a:xfrm>
+          <a:prstGeom prst="rect">
+            <a:avLst/>
+          </a:prstGeom>
+        </p:spPr>
+      </p:pic>
+      <p:sp>
+        <p:nvSpPr>
+          <p:cNvPr id="17" name="文本框 16">
+            <a:extLst>
+              <a:ext uri="{FF2B5EF4-FFF2-40B4-BE49-F238E27FC236}">
+                <a16:creationId xmlns:a16="http://schemas.microsoft.com/office/drawing/2014/main" id="{0D5F7839-CD63-8B01-0308-B71016EED5AD}"/>
+              </a:ext>
+            </a:extLst>
+          </p:cNvPr>
+          <p:cNvSpPr txBox="1"/>
+          <p:nvPr/>
+        </p:nvSpPr>
+        <p:spPr>
+          <a:xfrm>
+            <a:off x="7434470" y="4028661"/>
+            <a:ext cx="2014330" cy="369332"/>
+          </a:xfrm>
+          <a:prstGeom prst="rect">
+            <a:avLst/>
+          </a:prstGeom>
+          <a:noFill/>
+        </p:spPr>
+        <p:txBody>
+          <a:bodyPr wrap="square" rtlCol="0">
+            <a:spAutoFit/>
+          </a:bodyPr>
+          <a:lstStyle/>
+          <a:p>
+            <a:r>
+              <a:rPr lang="en-US" altLang="zh-CN" dirty="0"/>
+              <a:t>K = 23, N = 6980</a:t>
+            </a:r>
+            <a:endParaRPr lang="zh-CN" altLang="en-US" dirty="0"/>
+          </a:p>
+        </p:txBody>
+      </p:sp>
+    </p:spTree>
+    <p:extLst>
+      <p:ext uri="{BB962C8B-B14F-4D97-AF65-F5344CB8AC3E}">
+        <p14:creationId xmlns:p14="http://schemas.microsoft.com/office/powerpoint/2010/main" val="3370076687"/>
+      </p:ext>
+    </p:extLst>
+  </p:cSld>
+  <p:clrMapOvr>
+    <a:masterClrMapping/>
+  </p:clrMapOvr>
+</p:sld>
+</file>
+
+<file path=ppt/slides/slide11.xml><?xml version="1.0" encoding="utf-8"?>
+<p:sld xmlns:a="http://schemas.openxmlformats.org/drawingml/2006/main" xmlns:r="http://schemas.openxmlformats.org/officeDocument/2006/relationships" xmlns:p="http://schemas.openxmlformats.org/presentationml/2006/main">
+  <p:cSld>
+    <p:spTree>
+      <p:nvGrpSpPr>
+        <p:cNvPr id="1" name=""/>
+        <p:cNvGrpSpPr/>
+        <p:nvPr/>
+      </p:nvGrpSpPr>
+      <p:grpSpPr>
+        <a:xfrm>
+          <a:off x="0" y="0"/>
+          <a:ext cx="0" cy="0"/>
+          <a:chOff x="0" y="0"/>
+          <a:chExt cx="0" cy="0"/>
+        </a:xfrm>
+      </p:grpSpPr>
+      <p:sp>
+        <p:nvSpPr>
+          <p:cNvPr id="2" name="灯片编号占位符 1">
+            <a:extLst>
+              <a:ext uri="{FF2B5EF4-FFF2-40B4-BE49-F238E27FC236}">
+                <a16:creationId xmlns:a16="http://schemas.microsoft.com/office/drawing/2014/main" id="{F7305C9D-5206-E76B-A60C-A08BAABC0046}"/>
+              </a:ext>
+            </a:extLst>
+          </p:cNvPr>
+          <p:cNvSpPr>
+            <a:spLocks noGrp="1"/>
+          </p:cNvSpPr>
+          <p:nvPr>
+            <p:ph type="sldNum" sz="quarter" idx="12"/>
+          </p:nvPr>
+        </p:nvSpPr>
+        <p:spPr/>
+        <p:txBody>
+          <a:bodyPr/>
+          <a:lstStyle/>
+          <a:p>
+            <a:fld id="{565CE74E-AB26-4998-AD42-012C4C1AD076}" type="slidenum">
+              <a:rPr lang="zh-CN" altLang="en-US" smtClean="0"/>
+              <a:t>11</a:t>
+            </a:fld>
+            <a:endParaRPr lang="zh-CN" altLang="en-US"/>
+          </a:p>
+        </p:txBody>
+      </p:sp>
+      <p:pic>
+        <p:nvPicPr>
+          <p:cNvPr id="3" name="图片 2">
+            <a:extLst>
+              <a:ext uri="{FF2B5EF4-FFF2-40B4-BE49-F238E27FC236}">
+                <a16:creationId xmlns:a16="http://schemas.microsoft.com/office/drawing/2014/main" id="{FAE126EA-93EB-C016-CE31-8E996FE37755}"/>
+              </a:ext>
+            </a:extLst>
+          </p:cNvPr>
+          <p:cNvPicPr>
+            <a:picLocks noChangeAspect="1"/>
+          </p:cNvPicPr>
+          <p:nvPr/>
+        </p:nvPicPr>
+        <p:blipFill>
+          <a:blip r:embed="rId2"/>
+          <a:stretch>
+            <a:fillRect/>
+          </a:stretch>
+        </p:blipFill>
+        <p:spPr>
+          <a:xfrm>
+            <a:off x="7699688" y="3764396"/>
+            <a:ext cx="3206851" cy="2848438"/>
+          </a:xfrm>
+          <a:prstGeom prst="rect">
+            <a:avLst/>
+          </a:prstGeom>
+        </p:spPr>
+      </p:pic>
+      <p:sp>
+        <p:nvSpPr>
+          <p:cNvPr id="4" name="矩形 3">
+            <a:extLst>
+              <a:ext uri="{FF2B5EF4-FFF2-40B4-BE49-F238E27FC236}">
+                <a16:creationId xmlns:a16="http://schemas.microsoft.com/office/drawing/2014/main" id="{A510041E-7E0E-D499-798E-E072C1109DD0}"/>
+              </a:ext>
+            </a:extLst>
+          </p:cNvPr>
+          <p:cNvSpPr/>
+          <p:nvPr/>
+        </p:nvSpPr>
+        <p:spPr>
+          <a:xfrm>
+            <a:off x="1" y="-2"/>
+            <a:ext cx="220551" cy="6858002"/>
+          </a:xfrm>
+          <a:prstGeom prst="rect">
+            <a:avLst/>
+          </a:prstGeom>
+          <a:gradFill>
+            <a:gsLst>
+              <a:gs pos="100000">
+                <a:srgbClr val="1C2F43"/>
+              </a:gs>
+              <a:gs pos="0">
+                <a:srgbClr val="46706E"/>
+              </a:gs>
+            </a:gsLst>
+            <a:lin ang="5400000" scaled="1"/>
+          </a:gradFill>
+          <a:ln>
+            <a:noFill/>
+          </a:ln>
+        </p:spPr>
+        <p:style>
+          <a:lnRef idx="2">
+            <a:schemeClr val="accent1">
+              <a:shade val="50000"/>
+            </a:schemeClr>
+          </a:lnRef>
+          <a:fillRef idx="1">
+            <a:schemeClr val="accent1"/>
+          </a:fillRef>
+          <a:effectRef idx="0">
+            <a:schemeClr val="accent1"/>
+          </a:effectRef>
+          <a:fontRef idx="minor">
+            <a:schemeClr val="lt1"/>
+          </a:fontRef>
+        </p:style>
+        <p:txBody>
+          <a:bodyPr rtlCol="0" anchor="ctr"/>
+          <a:lstStyle/>
+          <a:p>
+            <a:pPr marL="0" marR="0" lvl="0" indent="0" algn="ctr" defTabSz="914400" rtl="0" eaLnBrk="1" fontAlgn="auto" latinLnBrk="0" hangingPunct="1">
+              <a:lnSpc>
+                <a:spcPct val="100000"/>
+              </a:lnSpc>
+              <a:spcBef>
+                <a:spcPts val="0"/>
+              </a:spcBef>
+              <a:spcAft>
+                <a:spcPts val="0"/>
+              </a:spcAft>
+              <a:buClrTx/>
+              <a:buSzTx/>
+              <a:buFontTx/>
+              <a:buNone/>
+              <a:tabLst/>
+              <a:defRPr/>
+            </a:pPr>
+            <a:endParaRPr kumimoji="0" lang="zh-CN" altLang="en-US" sz="1800" b="0" i="0" u="none" strike="noStrike" kern="1200" cap="none" spc="0" normalizeH="0" baseline="0" noProof="0">
+              <a:ln>
+                <a:noFill/>
+              </a:ln>
+              <a:solidFill>
+                <a:prstClr val="white"/>
+              </a:solidFill>
+              <a:effectLst/>
+              <a:uLnTx/>
+              <a:uFillTx/>
+              <a:latin typeface="Calibri"/>
+              <a:ea typeface="微软雅黑" panose="020B0503020204020204" pitchFamily="34" charset="-122"/>
+              <a:cs typeface="+mn-cs"/>
+            </a:endParaRPr>
+          </a:p>
+        </p:txBody>
+      </p:sp>
+      <p:pic>
+        <p:nvPicPr>
+          <p:cNvPr id="5" name="图片 4">
+            <a:extLst>
+              <a:ext uri="{FF2B5EF4-FFF2-40B4-BE49-F238E27FC236}">
+                <a16:creationId xmlns:a16="http://schemas.microsoft.com/office/drawing/2014/main" id="{C14EC02F-A111-7C09-212C-516E597AD968}"/>
+              </a:ext>
+            </a:extLst>
+          </p:cNvPr>
+          <p:cNvPicPr>
+            <a:picLocks noChangeAspect="1"/>
+          </p:cNvPicPr>
+          <p:nvPr/>
+        </p:nvPicPr>
+        <p:blipFill>
+          <a:blip r:embed="rId3"/>
+          <a:stretch>
+            <a:fillRect/>
+          </a:stretch>
+        </p:blipFill>
+        <p:spPr>
+          <a:xfrm>
+            <a:off x="11265327" y="-2"/>
+            <a:ext cx="926672" cy="926672"/>
+          </a:xfrm>
+          <a:prstGeom prst="rect">
+            <a:avLst/>
+          </a:prstGeom>
+        </p:spPr>
+      </p:pic>
+      <p:pic>
+        <p:nvPicPr>
+          <p:cNvPr id="7" name="图片 6">
+            <a:extLst>
+              <a:ext uri="{FF2B5EF4-FFF2-40B4-BE49-F238E27FC236}">
+                <a16:creationId xmlns:a16="http://schemas.microsoft.com/office/drawing/2014/main" id="{994629BC-B382-69C7-C3D0-243B8AA80726}"/>
+              </a:ext>
+            </a:extLst>
+          </p:cNvPr>
+          <p:cNvPicPr>
+            <a:picLocks noChangeAspect="1"/>
+          </p:cNvPicPr>
+          <p:nvPr/>
+        </p:nvPicPr>
+        <p:blipFill>
+          <a:blip r:embed="rId4"/>
+          <a:stretch>
+            <a:fillRect/>
+          </a:stretch>
+        </p:blipFill>
+        <p:spPr>
+          <a:xfrm>
+            <a:off x="7540712" y="245166"/>
+            <a:ext cx="3365827" cy="3414740"/>
+          </a:xfrm>
+          <a:prstGeom prst="rect">
+            <a:avLst/>
+          </a:prstGeom>
+        </p:spPr>
+      </p:pic>
+      <p:sp>
+        <p:nvSpPr>
+          <p:cNvPr id="9" name="文本框 8">
+            <a:extLst>
+              <a:ext uri="{FF2B5EF4-FFF2-40B4-BE49-F238E27FC236}">
+                <a16:creationId xmlns:a16="http://schemas.microsoft.com/office/drawing/2014/main" id="{BC55C254-DA5A-15A3-D239-22856CCD889D}"/>
+              </a:ext>
+            </a:extLst>
+          </p:cNvPr>
+          <p:cNvSpPr txBox="1"/>
+          <p:nvPr/>
+        </p:nvSpPr>
+        <p:spPr>
+          <a:xfrm>
+            <a:off x="579340" y="926670"/>
+            <a:ext cx="6096000" cy="1289071"/>
+          </a:xfrm>
+          <a:prstGeom prst="rect">
+            <a:avLst/>
+          </a:prstGeom>
+          <a:noFill/>
+        </p:spPr>
+        <p:txBody>
+          <a:bodyPr wrap="square">
+            <a:spAutoFit/>
+          </a:bodyPr>
+          <a:lstStyle/>
+          <a:p>
+            <a:pPr>
+              <a:lnSpc>
+                <a:spcPct val="150000"/>
+              </a:lnSpc>
+            </a:pPr>
+            <a:r>
+              <a:rPr lang="en-US" altLang="zh-CN" dirty="0">
+                <a:latin typeface="Times New Roman" panose="02020603050405020304" pitchFamily="18" charset="0"/>
+                <a:cs typeface="Times New Roman" panose="02020603050405020304" pitchFamily="18" charset="0"/>
+              </a:rPr>
+              <a:t>Each human body model has 10 shape parameters and 24x3=72 pose parameters. Therefore, we can represent an SMPL human body using 10+72=82 numbers.</a:t>
+            </a:r>
+            <a:endParaRPr lang="zh-CN" altLang="en-US" dirty="0">
+              <a:latin typeface="Times New Roman" panose="02020603050405020304" pitchFamily="18" charset="0"/>
+              <a:cs typeface="Times New Roman" panose="02020603050405020304" pitchFamily="18" charset="0"/>
+            </a:endParaRPr>
+          </a:p>
+        </p:txBody>
+      </p:sp>
+      <p:pic>
+        <p:nvPicPr>
+          <p:cNvPr id="15" name="图片 14">
+            <a:extLst>
+              <a:ext uri="{FF2B5EF4-FFF2-40B4-BE49-F238E27FC236}">
+                <a16:creationId xmlns:a16="http://schemas.microsoft.com/office/drawing/2014/main" id="{64F24070-96D7-7375-A2E7-ACAC513BF9D8}"/>
+              </a:ext>
+            </a:extLst>
+          </p:cNvPr>
+          <p:cNvPicPr>
+            <a:picLocks noChangeAspect="1"/>
+          </p:cNvPicPr>
+          <p:nvPr/>
+        </p:nvPicPr>
+        <p:blipFill>
+          <a:blip r:embed="rId5"/>
+          <a:stretch>
+            <a:fillRect/>
+          </a:stretch>
+        </p:blipFill>
+        <p:spPr>
+          <a:xfrm>
+            <a:off x="430305" y="2999929"/>
+            <a:ext cx="6751619" cy="1319953"/>
+          </a:xfrm>
+          <a:prstGeom prst="rect">
+            <a:avLst/>
+          </a:prstGeom>
+        </p:spPr>
+      </p:pic>
+    </p:spTree>
+    <p:extLst>
+      <p:ext uri="{BB962C8B-B14F-4D97-AF65-F5344CB8AC3E}">
+        <p14:creationId xmlns:p14="http://schemas.microsoft.com/office/powerpoint/2010/main" val="1960913694"/>
+      </p:ext>
+    </p:extLst>
+  </p:cSld>
+  <p:clrMapOvr>
+    <a:masterClrMapping/>
+  </p:clrMapOvr>
+</p:sld>
+</file>
+
 <file path=ppt/slides/slide2.xml><?xml version="1.0" encoding="utf-8"?>
 <p:sld xmlns:a="http://schemas.openxmlformats.org/drawingml/2006/main" xmlns:r="http://schemas.openxmlformats.org/officeDocument/2006/relationships" xmlns:p="http://schemas.openxmlformats.org/presentationml/2006/main">
   <p:cSld>
@@ -10226,7 +11400,7 @@
         <p:spPr>
           <a:xfrm>
             <a:off x="1367576" y="1145161"/>
-            <a:ext cx="6096000" cy="923330"/>
+            <a:ext cx="6096000" cy="1289071"/>
           </a:xfrm>
           <a:prstGeom prst="rect">
             <a:avLst/>
@@ -10239,26 +11413,113 @@
           </a:bodyPr>
           <a:lstStyle/>
           <a:p>
-            <a:r>
-              <a:rPr lang="en-US" altLang="zh-CN" dirty="0"/>
+            <a:pPr algn="just">
+              <a:lnSpc>
+                <a:spcPct val="150000"/>
+              </a:lnSpc>
+            </a:pPr>
+            <a:r>
+              <a:rPr lang="en-US" altLang="zh-CN" dirty="0">
+                <a:latin typeface="Times New Roman" panose="02020603050405020304" pitchFamily="18" charset="0"/>
+                <a:cs typeface="Times New Roman" panose="02020603050405020304" pitchFamily="18" charset="0"/>
+              </a:rPr>
               <a:t>If inside multiple inner capsules, compute the distance to each </a:t>
             </a:r>
           </a:p>
           <a:p>
-            <a:r>
-              <a:rPr lang="en-US" altLang="zh-CN" dirty="0"/>
-              <a:t>bone, and set the weights inverse proportional to the distance </a:t>
-            </a:r>
-          </a:p>
-          <a:p>
-            <a:r>
-              <a:rPr lang="en-US" altLang="zh-CN" dirty="0"/>
+            <a:pPr algn="just">
+              <a:lnSpc>
+                <a:spcPct val="150000"/>
+              </a:lnSpc>
+            </a:pPr>
+            <a:r>
+              <a:rPr lang="en-US" altLang="zh-CN" dirty="0">
+                <a:latin typeface="Times New Roman" panose="02020603050405020304" pitchFamily="18" charset="0"/>
+                <a:cs typeface="Times New Roman" panose="02020603050405020304" pitchFamily="18" charset="0"/>
+              </a:rPr>
+              <a:t>bone, and set the weights inversely proportional to the distance </a:t>
+            </a:r>
+          </a:p>
+          <a:p>
+            <a:pPr algn="just">
+              <a:lnSpc>
+                <a:spcPct val="150000"/>
+              </a:lnSpc>
+            </a:pPr>
+            <a:r>
+              <a:rPr lang="en-US" altLang="zh-CN" dirty="0">
+                <a:latin typeface="Times New Roman" panose="02020603050405020304" pitchFamily="18" charset="0"/>
+                <a:cs typeface="Times New Roman" panose="02020603050405020304" pitchFamily="18" charset="0"/>
+              </a:rPr>
               <a:t>with normalization</a:t>
             </a:r>
-            <a:endParaRPr lang="zh-CN" altLang="en-US" dirty="0"/>
-          </a:p>
-        </p:txBody>
-      </p:sp>
+            <a:endParaRPr lang="zh-CN" altLang="en-US" dirty="0">
+              <a:latin typeface="Times New Roman" panose="02020603050405020304" pitchFamily="18" charset="0"/>
+              <a:cs typeface="Times New Roman" panose="02020603050405020304" pitchFamily="18" charset="0"/>
+            </a:endParaRPr>
+          </a:p>
+        </p:txBody>
+      </p:sp>
+      <p:pic>
+        <p:nvPicPr>
+          <p:cNvPr id="7" name="图片 6">
+            <a:extLst>
+              <a:ext uri="{FF2B5EF4-FFF2-40B4-BE49-F238E27FC236}">
+                <a16:creationId xmlns:a16="http://schemas.microsoft.com/office/drawing/2014/main" id="{8C3A4ABF-1CEF-EBEE-0CD2-7205AECA3C81}"/>
+              </a:ext>
+            </a:extLst>
+          </p:cNvPr>
+          <p:cNvPicPr>
+            <a:picLocks noChangeAspect="1"/>
+          </p:cNvPicPr>
+          <p:nvPr/>
+        </p:nvPicPr>
+        <p:blipFill>
+          <a:blip r:embed="rId3"/>
+          <a:stretch>
+            <a:fillRect/>
+          </a:stretch>
+        </p:blipFill>
+        <p:spPr>
+          <a:xfrm>
+            <a:off x="7345747" y="2941983"/>
+            <a:ext cx="3522023" cy="2533996"/>
+          </a:xfrm>
+          <a:prstGeom prst="rect">
+            <a:avLst/>
+          </a:prstGeom>
+        </p:spPr>
+      </p:pic>
+      <p:pic>
+        <p:nvPicPr>
+          <p:cNvPr id="9" name="图片 8">
+            <a:extLst>
+              <a:ext uri="{FF2B5EF4-FFF2-40B4-BE49-F238E27FC236}">
+                <a16:creationId xmlns:a16="http://schemas.microsoft.com/office/drawing/2014/main" id="{6A73E76B-7AD9-9F08-64F3-9794F879FB93}"/>
+              </a:ext>
+            </a:extLst>
+          </p:cNvPr>
+          <p:cNvPicPr>
+            <a:picLocks noChangeAspect="1"/>
+          </p:cNvPicPr>
+          <p:nvPr/>
+        </p:nvPicPr>
+        <p:blipFill>
+          <a:blip r:embed="rId4"/>
+          <a:stretch>
+            <a:fillRect/>
+          </a:stretch>
+        </p:blipFill>
+        <p:spPr>
+          <a:xfrm>
+            <a:off x="1893974" y="3177981"/>
+            <a:ext cx="4680191" cy="2171812"/>
+          </a:xfrm>
+          <a:prstGeom prst="rect">
+            <a:avLst/>
+          </a:prstGeom>
+        </p:spPr>
+      </p:pic>
     </p:spTree>
     <p:extLst>
       <p:ext uri="{BB962C8B-B14F-4D97-AF65-F5344CB8AC3E}">
@@ -10340,7 +11601,7 @@
         </p:blipFill>
         <p:spPr>
           <a:xfrm>
-            <a:off x="1977304" y="581993"/>
+            <a:off x="552695" y="463334"/>
             <a:ext cx="7895565" cy="5694013"/>
           </a:xfrm>
           <a:prstGeom prst="rect">
@@ -10461,6 +11722,36 @@
           <a:xfrm>
             <a:off x="11265327" y="-2"/>
             <a:ext cx="926672" cy="926672"/>
+          </a:xfrm>
+          <a:prstGeom prst="rect">
+            <a:avLst/>
+          </a:prstGeom>
+        </p:spPr>
+      </p:pic>
+      <p:pic>
+        <p:nvPicPr>
+          <p:cNvPr id="9" name="图片 8">
+            <a:extLst>
+              <a:ext uri="{FF2B5EF4-FFF2-40B4-BE49-F238E27FC236}">
+                <a16:creationId xmlns:a16="http://schemas.microsoft.com/office/drawing/2014/main" id="{9D5C98FD-F45F-B121-296F-F644F5AFB769}"/>
+              </a:ext>
+            </a:extLst>
+          </p:cNvPr>
+          <p:cNvPicPr>
+            <a:picLocks noChangeAspect="1"/>
+          </p:cNvPicPr>
+          <p:nvPr/>
+        </p:nvPicPr>
+        <p:blipFill>
+          <a:blip r:embed="rId4"/>
+          <a:stretch>
+            <a:fillRect/>
+          </a:stretch>
+        </p:blipFill>
+        <p:spPr>
+          <a:xfrm>
+            <a:off x="8780403" y="4296701"/>
+            <a:ext cx="2978303" cy="1860646"/>
           </a:xfrm>
           <a:prstGeom prst="rect">
             <a:avLst/>
@@ -11034,4 +12325,299 @@
     </a:ext>
   </a:extLst>
 </a:theme>
+</file>
+
+<file path=ppt/theme/theme3.xml><?xml version="1.0" encoding="utf-8"?>
+<a:theme xmlns:a="http://schemas.openxmlformats.org/drawingml/2006/main" name="Office 主题​​">
+  <a:themeElements>
+    <a:clrScheme name="Office">
+      <a:dk1>
+        <a:sysClr val="windowText" lastClr="000000"/>
+      </a:dk1>
+      <a:lt1>
+        <a:sysClr val="window" lastClr="FFFFFF"/>
+      </a:lt1>
+      <a:dk2>
+        <a:srgbClr val="44546A"/>
+      </a:dk2>
+      <a:lt2>
+        <a:srgbClr val="E7E6E6"/>
+      </a:lt2>
+      <a:accent1>
+        <a:srgbClr val="4472C4"/>
+      </a:accent1>
+      <a:accent2>
+        <a:srgbClr val="ED7D31"/>
+      </a:accent2>
+      <a:accent3>
+        <a:srgbClr val="A5A5A5"/>
+      </a:accent3>
+      <a:accent4>
+        <a:srgbClr val="FFC000"/>
+      </a:accent4>
+      <a:accent5>
+        <a:srgbClr val="5B9BD5"/>
+      </a:accent5>
+      <a:accent6>
+        <a:srgbClr val="70AD47"/>
+      </a:accent6>
+      <a:hlink>
+        <a:srgbClr val="0563C1"/>
+      </a:hlink>
+      <a:folHlink>
+        <a:srgbClr val="954F72"/>
+      </a:folHlink>
+    </a:clrScheme>
+    <a:fontScheme name="Office">
+      <a:majorFont>
+        <a:latin typeface="等线 Light" panose="020F0302020204030204"/>
+        <a:ea typeface=""/>
+        <a:cs typeface=""/>
+        <a:font script="Jpan" typeface="游ゴシック Light"/>
+        <a:font script="Hang" typeface="맑은 고딕"/>
+        <a:font script="Hans" typeface="等线 Light"/>
+        <a:font script="Hant" typeface="新細明體"/>
+        <a:font script="Arab" typeface="Times New Roman"/>
+        <a:font script="Hebr" typeface="Times New Roman"/>
+        <a:font script="Thai" typeface="Angsana New"/>
+        <a:font script="Ethi" typeface="Nyala"/>
+        <a:font script="Beng" typeface="Vrinda"/>
+        <a:font script="Gujr" typeface="Shruti"/>
+        <a:font script="Khmr" typeface="MoolBoran"/>
+        <a:font script="Knda" typeface="Tunga"/>
+        <a:font script="Guru" typeface="Raavi"/>
+        <a:font script="Cans" typeface="Euphemia"/>
+        <a:font script="Cher" typeface="Plantagenet Cherokee"/>
+        <a:font script="Yiii" typeface="Microsoft Yi Baiti"/>
+        <a:font script="Tibt" typeface="Microsoft Himalaya"/>
+        <a:font script="Thaa" typeface="MV Boli"/>
+        <a:font script="Deva" typeface="Mangal"/>
+        <a:font script="Telu" typeface="Gautami"/>
+        <a:font script="Taml" typeface="Latha"/>
+        <a:font script="Syrc" typeface="Estrangelo Edessa"/>
+        <a:font script="Orya" typeface="Kalinga"/>
+        <a:font script="Mlym" typeface="Kartika"/>
+        <a:font script="Laoo" typeface="DokChampa"/>
+        <a:font script="Sinh" typeface="Iskoola Pota"/>
+        <a:font script="Mong" typeface="Mongolian Baiti"/>
+        <a:font script="Viet" typeface="Times New Roman"/>
+        <a:font script="Uigh" typeface="Microsoft Uighur"/>
+        <a:font script="Geor" typeface="Sylfaen"/>
+        <a:font script="Armn" typeface="Arial"/>
+        <a:font script="Bugi" typeface="Leelawadee UI"/>
+        <a:font script="Bopo" typeface="Microsoft JhengHei"/>
+        <a:font script="Java" typeface="Javanese Text"/>
+        <a:font script="Lisu" typeface="Segoe UI"/>
+        <a:font script="Mymr" typeface="Myanmar Text"/>
+        <a:font script="Nkoo" typeface="Ebrima"/>
+        <a:font script="Olck" typeface="Nirmala UI"/>
+        <a:font script="Osma" typeface="Ebrima"/>
+        <a:font script="Phag" typeface="Phagspa"/>
+        <a:font script="Syrn" typeface="Estrangelo Edessa"/>
+        <a:font script="Syrj" typeface="Estrangelo Edessa"/>
+        <a:font script="Syre" typeface="Estrangelo Edessa"/>
+        <a:font script="Sora" typeface="Nirmala UI"/>
+        <a:font script="Tale" typeface="Microsoft Tai Le"/>
+        <a:font script="Talu" typeface="Microsoft New Tai Lue"/>
+        <a:font script="Tfng" typeface="Ebrima"/>
+      </a:majorFont>
+      <a:minorFont>
+        <a:latin typeface="等线" panose="020F0502020204030204"/>
+        <a:ea typeface=""/>
+        <a:cs typeface=""/>
+        <a:font script="Jpan" typeface="游ゴシック"/>
+        <a:font script="Hang" typeface="맑은 고딕"/>
+        <a:font script="Hans" typeface="等线"/>
+        <a:font script="Hant" typeface="新細明體"/>
+        <a:font script="Arab" typeface="Arial"/>
+        <a:font script="Hebr" typeface="Arial"/>
+        <a:font script="Thai" typeface="Cordia New"/>
+        <a:font script="Ethi" typeface="Nyala"/>
+        <a:font script="Beng" typeface="Vrinda"/>
+        <a:font script="Gujr" typeface="Shruti"/>
+        <a:font script="Khmr" typeface="DaunPenh"/>
+        <a:font script="Knda" typeface="Tunga"/>
+        <a:font script="Guru" typeface="Raavi"/>
+        <a:font script="Cans" typeface="Euphemia"/>
+        <a:font script="Cher" typeface="Plantagenet Cherokee"/>
+        <a:font script="Yiii" typeface="Microsoft Yi Baiti"/>
+        <a:font script="Tibt" typeface="Microsoft Himalaya"/>
+        <a:font script="Thaa" typeface="MV Boli"/>
+        <a:font script="Deva" typeface="Mangal"/>
+        <a:font script="Telu" typeface="Gautami"/>
+        <a:font script="Taml" typeface="Latha"/>
+        <a:font script="Syrc" typeface="Estrangelo Edessa"/>
+        <a:font script="Orya" typeface="Kalinga"/>
+        <a:font script="Mlym" typeface="Kartika"/>
+        <a:font script="Laoo" typeface="DokChampa"/>
+        <a:font script="Sinh" typeface="Iskoola Pota"/>
+        <a:font script="Mong" typeface="Mongolian Baiti"/>
+        <a:font script="Viet" typeface="Arial"/>
+        <a:font script="Uigh" typeface="Microsoft Uighur"/>
+        <a:font script="Geor" typeface="Sylfaen"/>
+        <a:font script="Armn" typeface="Arial"/>
+        <a:font script="Bugi" typeface="Leelawadee UI"/>
+        <a:font script="Bopo" typeface="Microsoft JhengHei"/>
+        <a:font script="Java" typeface="Javanese Text"/>
+        <a:font script="Lisu" typeface="Segoe UI"/>
+        <a:font script="Mymr" typeface="Myanmar Text"/>
+        <a:font script="Nkoo" typeface="Ebrima"/>
+        <a:font script="Olck" typeface="Nirmala UI"/>
+        <a:font script="Osma" typeface="Ebrima"/>
+        <a:font script="Phag" typeface="Phagspa"/>
+        <a:font script="Syrn" typeface="Estrangelo Edessa"/>
+        <a:font script="Syrj" typeface="Estrangelo Edessa"/>
+        <a:font script="Syre" typeface="Estrangelo Edessa"/>
+        <a:font script="Sora" typeface="Nirmala UI"/>
+        <a:font script="Tale" typeface="Microsoft Tai Le"/>
+        <a:font script="Talu" typeface="Microsoft New Tai Lue"/>
+        <a:font script="Tfng" typeface="Ebrima"/>
+      </a:minorFont>
+    </a:fontScheme>
+    <a:fmtScheme name="Office">
+      <a:fillStyleLst>
+        <a:solidFill>
+          <a:schemeClr val="phClr"/>
+        </a:solidFill>
+        <a:gradFill rotWithShape="1">
+          <a:gsLst>
+            <a:gs pos="0">
+              <a:schemeClr val="phClr">
+                <a:lumMod val="110000"/>
+                <a:satMod val="105000"/>
+                <a:tint val="67000"/>
+              </a:schemeClr>
+            </a:gs>
+            <a:gs pos="50000">
+              <a:schemeClr val="phClr">
+                <a:lumMod val="105000"/>
+                <a:satMod val="103000"/>
+                <a:tint val="73000"/>
+              </a:schemeClr>
+            </a:gs>
+            <a:gs pos="100000">
+              <a:schemeClr val="phClr">
+                <a:lumMod val="105000"/>
+                <a:satMod val="109000"/>
+                <a:tint val="81000"/>
+              </a:schemeClr>
+            </a:gs>
+          </a:gsLst>
+          <a:lin ang="5400000" scaled="0"/>
+        </a:gradFill>
+        <a:gradFill rotWithShape="1">
+          <a:gsLst>
+            <a:gs pos="0">
+              <a:schemeClr val="phClr">
+                <a:satMod val="103000"/>
+                <a:lumMod val="102000"/>
+                <a:tint val="94000"/>
+              </a:schemeClr>
+            </a:gs>
+            <a:gs pos="50000">
+              <a:schemeClr val="phClr">
+                <a:satMod val="110000"/>
+                <a:lumMod val="100000"/>
+                <a:shade val="100000"/>
+              </a:schemeClr>
+            </a:gs>
+            <a:gs pos="100000">
+              <a:schemeClr val="phClr">
+                <a:lumMod val="99000"/>
+                <a:satMod val="120000"/>
+                <a:shade val="78000"/>
+              </a:schemeClr>
+            </a:gs>
+          </a:gsLst>
+          <a:lin ang="5400000" scaled="0"/>
+        </a:gradFill>
+      </a:fillStyleLst>
+      <a:lnStyleLst>
+        <a:ln w="6350" cap="flat" cmpd="sng" algn="ctr">
+          <a:solidFill>
+            <a:schemeClr val="phClr"/>
+          </a:solidFill>
+          <a:prstDash val="solid"/>
+          <a:miter lim="800000"/>
+        </a:ln>
+        <a:ln w="12700" cap="flat" cmpd="sng" algn="ctr">
+          <a:solidFill>
+            <a:schemeClr val="phClr"/>
+          </a:solidFill>
+          <a:prstDash val="solid"/>
+          <a:miter lim="800000"/>
+        </a:ln>
+        <a:ln w="19050" cap="flat" cmpd="sng" algn="ctr">
+          <a:solidFill>
+            <a:schemeClr val="phClr"/>
+          </a:solidFill>
+          <a:prstDash val="solid"/>
+          <a:miter lim="800000"/>
+        </a:ln>
+      </a:lnStyleLst>
+      <a:effectStyleLst>
+        <a:effectStyle>
+          <a:effectLst/>
+        </a:effectStyle>
+        <a:effectStyle>
+          <a:effectLst/>
+        </a:effectStyle>
+        <a:effectStyle>
+          <a:effectLst>
+            <a:outerShdw blurRad="57150" dist="19050" dir="5400000" algn="ctr" rotWithShape="0">
+              <a:srgbClr val="000000">
+                <a:alpha val="63000"/>
+              </a:srgbClr>
+            </a:outerShdw>
+          </a:effectLst>
+        </a:effectStyle>
+      </a:effectStyleLst>
+      <a:bgFillStyleLst>
+        <a:solidFill>
+          <a:schemeClr val="phClr"/>
+        </a:solidFill>
+        <a:solidFill>
+          <a:schemeClr val="phClr">
+            <a:tint val="95000"/>
+            <a:satMod val="170000"/>
+          </a:schemeClr>
+        </a:solidFill>
+        <a:gradFill rotWithShape="1">
+          <a:gsLst>
+            <a:gs pos="0">
+              <a:schemeClr val="phClr">
+                <a:tint val="93000"/>
+                <a:satMod val="150000"/>
+                <a:shade val="98000"/>
+                <a:lumMod val="102000"/>
+              </a:schemeClr>
+            </a:gs>
+            <a:gs pos="50000">
+              <a:schemeClr val="phClr">
+                <a:tint val="98000"/>
+                <a:satMod val="130000"/>
+                <a:shade val="90000"/>
+                <a:lumMod val="103000"/>
+              </a:schemeClr>
+            </a:gs>
+            <a:gs pos="100000">
+              <a:schemeClr val="phClr">
+                <a:shade val="63000"/>
+                <a:satMod val="120000"/>
+              </a:schemeClr>
+            </a:gs>
+          </a:gsLst>
+          <a:lin ang="5400000" scaled="0"/>
+        </a:gradFill>
+      </a:bgFillStyleLst>
+    </a:fmtScheme>
+  </a:themeElements>
+  <a:objectDefaults/>
+  <a:extraClrSchemeLst/>
+  <a:extLst>
+    <a:ext uri="{05A4C25C-085E-4340-85A3-A5531E510DB2}">
+      <thm15:themeFamily xmlns:thm15="http://schemas.microsoft.com/office/thememl/2012/main" name="Office Theme" id="{62F939B6-93AF-4DB8-9C6B-D6C7DFDC589F}" vid="{4A3C46E8-61CC-4603-A589-7422A47A8E4A}"/>
+    </a:ext>
+  </a:extLst>
+</a:theme>
 </file>
--- a/LBS_SMPL/LBS_SMPL.pptx
+++ b/LBS_SMPL/LBS_SMPL.pptx
@@ -6,7 +6,7 @@
     <p:sldMasterId id="2147483660" r:id="rId2"/>
   </p:sldMasterIdLst>
   <p:notesMasterIdLst>
-    <p:notesMasterId r:id="rId14"/>
+    <p:notesMasterId r:id="rId15"/>
   </p:notesMasterIdLst>
   <p:sldIdLst>
     <p:sldId id="502" r:id="rId3"/>
@@ -20,6 +20,7 @@
     <p:sldId id="507" r:id="rId11"/>
     <p:sldId id="510" r:id="rId12"/>
     <p:sldId id="511" r:id="rId13"/>
+    <p:sldId id="515" r:id="rId14"/>
   </p:sldIdLst>
   <p:sldSz cx="12192000" cy="6858000"/>
   <p:notesSz cx="6858000" cy="9144000"/>
@@ -219,7 +220,7 @@
           <a:p>
             <a:fld id="{54AC4CCD-EA9D-49BF-B5C8-ACDF8DD749B8}" type="datetimeFigureOut">
               <a:rPr lang="zh-CN" altLang="en-US" smtClean="0"/>
-              <a:t>2024-04-04</a:t>
+              <a:t>2024-04-13</a:t>
             </a:fld>
             <a:endParaRPr lang="zh-CN" altLang="en-US"/>
           </a:p>
@@ -717,7 +718,7 @@
           <a:p>
             <a:fld id="{F6FBBD45-748A-4953-9F37-4B072DEE542B}" type="datetimeFigureOut">
               <a:rPr lang="zh-CN" altLang="en-US" smtClean="0"/>
-              <a:t>2024-04-04</a:t>
+              <a:t>2024-04-13</a:t>
             </a:fld>
             <a:endParaRPr lang="zh-CN" altLang="en-US"/>
           </a:p>
@@ -915,7 +916,7 @@
           <a:p>
             <a:fld id="{F6FBBD45-748A-4953-9F37-4B072DEE542B}" type="datetimeFigureOut">
               <a:rPr lang="zh-CN" altLang="en-US" smtClean="0"/>
-              <a:t>2024-04-04</a:t>
+              <a:t>2024-04-13</a:t>
             </a:fld>
             <a:endParaRPr lang="zh-CN" altLang="en-US"/>
           </a:p>
@@ -1123,7 +1124,7 @@
           <a:p>
             <a:fld id="{F6FBBD45-748A-4953-9F37-4B072DEE542B}" type="datetimeFigureOut">
               <a:rPr lang="zh-CN" altLang="en-US" smtClean="0"/>
-              <a:t>2024-04-04</a:t>
+              <a:t>2024-04-13</a:t>
             </a:fld>
             <a:endParaRPr lang="zh-CN" altLang="en-US"/>
           </a:p>
@@ -1325,7 +1326,7 @@
           <a:p>
             <a:fld id="{D997B5FA-0921-464F-AAE1-844C04324D75}" type="datetimeFigureOut">
               <a:rPr lang="zh-CN" altLang="en-US" smtClean="0"/>
-              <a:t>2024-04-04</a:t>
+              <a:t>2024-04-13</a:t>
             </a:fld>
             <a:endParaRPr lang="zh-CN" altLang="en-US"/>
           </a:p>
@@ -1494,7 +1495,7 @@
           <a:p>
             <a:fld id="{D997B5FA-0921-464F-AAE1-844C04324D75}" type="datetimeFigureOut">
               <a:rPr lang="zh-CN" altLang="en-US" smtClean="0"/>
-              <a:t>2024-04-04</a:t>
+              <a:t>2024-04-13</a:t>
             </a:fld>
             <a:endParaRPr lang="zh-CN" altLang="en-US"/>
           </a:p>
@@ -1740,7 +1741,7 @@
           <a:p>
             <a:fld id="{D997B5FA-0921-464F-AAE1-844C04324D75}" type="datetimeFigureOut">
               <a:rPr lang="zh-CN" altLang="en-US" smtClean="0"/>
-              <a:t>2024-04-04</a:t>
+              <a:t>2024-04-13</a:t>
             </a:fld>
             <a:endParaRPr lang="zh-CN" altLang="en-US"/>
           </a:p>
@@ -1970,7 +1971,7 @@
           <a:p>
             <a:fld id="{D997B5FA-0921-464F-AAE1-844C04324D75}" type="datetimeFigureOut">
               <a:rPr lang="zh-CN" altLang="en-US" smtClean="0"/>
-              <a:t>2024-04-04</a:t>
+              <a:t>2024-04-13</a:t>
             </a:fld>
             <a:endParaRPr lang="zh-CN" altLang="en-US"/>
           </a:p>
@@ -2335,7 +2336,7 @@
           <a:p>
             <a:fld id="{D997B5FA-0921-464F-AAE1-844C04324D75}" type="datetimeFigureOut">
               <a:rPr lang="zh-CN" altLang="en-US" smtClean="0"/>
-              <a:t>2024-04-04</a:t>
+              <a:t>2024-04-13</a:t>
             </a:fld>
             <a:endParaRPr lang="zh-CN" altLang="en-US"/>
           </a:p>
@@ -2453,7 +2454,7 @@
           <a:p>
             <a:fld id="{D997B5FA-0921-464F-AAE1-844C04324D75}" type="datetimeFigureOut">
               <a:rPr lang="zh-CN" altLang="en-US" smtClean="0"/>
-              <a:t>2024-04-04</a:t>
+              <a:t>2024-04-13</a:t>
             </a:fld>
             <a:endParaRPr lang="zh-CN" altLang="en-US"/>
           </a:p>
@@ -2549,7 +2550,7 @@
           <a:p>
             <a:fld id="{D997B5FA-0921-464F-AAE1-844C04324D75}" type="datetimeFigureOut">
               <a:rPr lang="zh-CN" altLang="en-US" smtClean="0"/>
-              <a:t>2024-04-04</a:t>
+              <a:t>2024-04-13</a:t>
             </a:fld>
             <a:endParaRPr lang="zh-CN" altLang="en-US"/>
           </a:p>
@@ -2825,7 +2826,7 @@
           <a:p>
             <a:fld id="{D997B5FA-0921-464F-AAE1-844C04324D75}" type="datetimeFigureOut">
               <a:rPr lang="zh-CN" altLang="en-US" smtClean="0"/>
-              <a:t>2024-04-04</a:t>
+              <a:t>2024-04-13</a:t>
             </a:fld>
             <a:endParaRPr lang="zh-CN" altLang="en-US"/>
           </a:p>
@@ -3012,7 +3013,7 @@
           <a:p>
             <a:fld id="{F6FBBD45-748A-4953-9F37-4B072DEE542B}" type="datetimeFigureOut">
               <a:rPr lang="zh-CN" altLang="en-US" smtClean="0"/>
-              <a:t>2024-04-04</a:t>
+              <a:t>2024-04-13</a:t>
             </a:fld>
             <a:endParaRPr lang="zh-CN" altLang="en-US"/>
           </a:p>
@@ -3276,7 +3277,7 @@
           <a:p>
             <a:fld id="{D997B5FA-0921-464F-AAE1-844C04324D75}" type="datetimeFigureOut">
               <a:rPr lang="zh-CN" altLang="en-US" smtClean="0"/>
-              <a:t>2024-04-04</a:t>
+              <a:t>2024-04-13</a:t>
             </a:fld>
             <a:endParaRPr lang="zh-CN" altLang="en-US"/>
           </a:p>
@@ -3445,7 +3446,7 @@
           <a:p>
             <a:fld id="{D997B5FA-0921-464F-AAE1-844C04324D75}" type="datetimeFigureOut">
               <a:rPr lang="zh-CN" altLang="en-US" smtClean="0"/>
-              <a:t>2024-04-04</a:t>
+              <a:t>2024-04-13</a:t>
             </a:fld>
             <a:endParaRPr lang="zh-CN" altLang="en-US"/>
           </a:p>
@@ -3624,7 +3625,7 @@
           <a:p>
             <a:fld id="{D997B5FA-0921-464F-AAE1-844C04324D75}" type="datetimeFigureOut">
               <a:rPr lang="zh-CN" altLang="en-US" smtClean="0"/>
-              <a:t>2024-04-04</a:t>
+              <a:t>2024-04-13</a:t>
             </a:fld>
             <a:endParaRPr lang="zh-CN" altLang="en-US"/>
           </a:p>
@@ -3945,7 +3946,7 @@
           <a:p>
             <a:fld id="{F6FBBD45-748A-4953-9F37-4B072DEE542B}" type="datetimeFigureOut">
               <a:rPr lang="zh-CN" altLang="en-US" smtClean="0"/>
-              <a:t>2024-04-04</a:t>
+              <a:t>2024-04-13</a:t>
             </a:fld>
             <a:endParaRPr lang="zh-CN" altLang="en-US"/>
           </a:p>
@@ -4210,7 +4211,7 @@
           <a:p>
             <a:fld id="{F6FBBD45-748A-4953-9F37-4B072DEE542B}" type="datetimeFigureOut">
               <a:rPr lang="zh-CN" altLang="en-US" smtClean="0"/>
-              <a:t>2024-04-04</a:t>
+              <a:t>2024-04-13</a:t>
             </a:fld>
             <a:endParaRPr lang="zh-CN" altLang="en-US"/>
           </a:p>
@@ -4622,7 +4623,7 @@
           <a:p>
             <a:fld id="{F6FBBD45-748A-4953-9F37-4B072DEE542B}" type="datetimeFigureOut">
               <a:rPr lang="zh-CN" altLang="en-US" smtClean="0"/>
-              <a:t>2024-04-04</a:t>
+              <a:t>2024-04-13</a:t>
             </a:fld>
             <a:endParaRPr lang="zh-CN" altLang="en-US"/>
           </a:p>
@@ -4763,7 +4764,7 @@
           <a:p>
             <a:fld id="{F6FBBD45-748A-4953-9F37-4B072DEE542B}" type="datetimeFigureOut">
               <a:rPr lang="zh-CN" altLang="en-US" smtClean="0"/>
-              <a:t>2024-04-04</a:t>
+              <a:t>2024-04-13</a:t>
             </a:fld>
             <a:endParaRPr lang="zh-CN" altLang="en-US"/>
           </a:p>
@@ -4876,7 +4877,7 @@
           <a:p>
             <a:fld id="{F6FBBD45-748A-4953-9F37-4B072DEE542B}" type="datetimeFigureOut">
               <a:rPr lang="zh-CN" altLang="en-US" smtClean="0"/>
-              <a:t>2024-04-04</a:t>
+              <a:t>2024-04-13</a:t>
             </a:fld>
             <a:endParaRPr lang="zh-CN" altLang="en-US"/>
           </a:p>
@@ -5187,7 +5188,7 @@
           <a:p>
             <a:fld id="{F6FBBD45-748A-4953-9F37-4B072DEE542B}" type="datetimeFigureOut">
               <a:rPr lang="zh-CN" altLang="en-US" smtClean="0"/>
-              <a:t>2024-04-04</a:t>
+              <a:t>2024-04-13</a:t>
             </a:fld>
             <a:endParaRPr lang="zh-CN" altLang="en-US"/>
           </a:p>
@@ -5475,7 +5476,7 @@
           <a:p>
             <a:fld id="{F6FBBD45-748A-4953-9F37-4B072DEE542B}" type="datetimeFigureOut">
               <a:rPr lang="zh-CN" altLang="en-US" smtClean="0"/>
-              <a:t>2024-04-04</a:t>
+              <a:t>2024-04-13</a:t>
             </a:fld>
             <a:endParaRPr lang="zh-CN" altLang="en-US"/>
           </a:p>
@@ -5716,7 +5717,7 @@
           <a:p>
             <a:fld id="{F6FBBD45-748A-4953-9F37-4B072DEE542B}" type="datetimeFigureOut">
               <a:rPr lang="zh-CN" altLang="en-US" smtClean="0"/>
-              <a:t>2024-04-04</a:t>
+              <a:t>2024-04-13</a:t>
             </a:fld>
             <a:endParaRPr lang="zh-CN" altLang="en-US"/>
           </a:p>
@@ -6277,7 +6278,7 @@
           <a:p>
             <a:fld id="{D997B5FA-0921-464F-AAE1-844C04324D75}" type="datetimeFigureOut">
               <a:rPr lang="zh-CN" altLang="en-US" smtClean="0"/>
-              <a:t>2024-04-04</a:t>
+              <a:t>2024-04-13</a:t>
             </a:fld>
             <a:endParaRPr lang="zh-CN" altLang="en-US"/>
           </a:p>
@@ -7987,6 +7988,214 @@
     <p:extLst>
       <p:ext uri="{BB962C8B-B14F-4D97-AF65-F5344CB8AC3E}">
         <p14:creationId xmlns:p14="http://schemas.microsoft.com/office/powerpoint/2010/main" val="1960913694"/>
+      </p:ext>
+    </p:extLst>
+  </p:cSld>
+  <p:clrMapOvr>
+    <a:masterClrMapping/>
+  </p:clrMapOvr>
+</p:sld>
+</file>
+
+<file path=ppt/slides/slide12.xml><?xml version="1.0" encoding="utf-8"?>
+<p:sld xmlns:a="http://schemas.openxmlformats.org/drawingml/2006/main" xmlns:r="http://schemas.openxmlformats.org/officeDocument/2006/relationships" xmlns:p="http://schemas.openxmlformats.org/presentationml/2006/main">
+  <p:cSld>
+    <p:spTree>
+      <p:nvGrpSpPr>
+        <p:cNvPr id="1" name=""/>
+        <p:cNvGrpSpPr/>
+        <p:nvPr/>
+      </p:nvGrpSpPr>
+      <p:grpSpPr>
+        <a:xfrm>
+          <a:off x="0" y="0"/>
+          <a:ext cx="0" cy="0"/>
+          <a:chOff x="0" y="0"/>
+          <a:chExt cx="0" cy="0"/>
+        </a:xfrm>
+      </p:grpSpPr>
+      <p:sp>
+        <p:nvSpPr>
+          <p:cNvPr id="2" name="灯片编号占位符 1">
+            <a:extLst>
+              <a:ext uri="{FF2B5EF4-FFF2-40B4-BE49-F238E27FC236}">
+                <a16:creationId xmlns:a16="http://schemas.microsoft.com/office/drawing/2014/main" id="{D806F013-7E60-5DB8-1ECF-296C6BB6CD8D}"/>
+              </a:ext>
+            </a:extLst>
+          </p:cNvPr>
+          <p:cNvSpPr>
+            <a:spLocks noGrp="1"/>
+          </p:cNvSpPr>
+          <p:nvPr>
+            <p:ph type="sldNum" sz="quarter" idx="12"/>
+          </p:nvPr>
+        </p:nvSpPr>
+        <p:spPr/>
+        <p:txBody>
+          <a:bodyPr/>
+          <a:lstStyle/>
+          <a:p>
+            <a:fld id="{565CE74E-AB26-4998-AD42-012C4C1AD076}" type="slidenum">
+              <a:rPr lang="zh-CN" altLang="en-US" smtClean="0"/>
+              <a:t>12</a:t>
+            </a:fld>
+            <a:endParaRPr lang="zh-CN" altLang="en-US"/>
+          </a:p>
+        </p:txBody>
+      </p:sp>
+      <p:sp>
+        <p:nvSpPr>
+          <p:cNvPr id="3" name="矩形 2">
+            <a:extLst>
+              <a:ext uri="{FF2B5EF4-FFF2-40B4-BE49-F238E27FC236}">
+                <a16:creationId xmlns:a16="http://schemas.microsoft.com/office/drawing/2014/main" id="{13207A8B-0A86-3AF5-0444-7E234C0B71D0}"/>
+              </a:ext>
+            </a:extLst>
+          </p:cNvPr>
+          <p:cNvSpPr/>
+          <p:nvPr/>
+        </p:nvSpPr>
+        <p:spPr>
+          <a:xfrm>
+            <a:off x="1" y="-2"/>
+            <a:ext cx="220551" cy="6858002"/>
+          </a:xfrm>
+          <a:prstGeom prst="rect">
+            <a:avLst/>
+          </a:prstGeom>
+          <a:gradFill>
+            <a:gsLst>
+              <a:gs pos="100000">
+                <a:srgbClr val="1C2F43"/>
+              </a:gs>
+              <a:gs pos="0">
+                <a:srgbClr val="46706E"/>
+              </a:gs>
+            </a:gsLst>
+            <a:lin ang="5400000" scaled="1"/>
+          </a:gradFill>
+          <a:ln>
+            <a:noFill/>
+          </a:ln>
+        </p:spPr>
+        <p:style>
+          <a:lnRef idx="2">
+            <a:schemeClr val="accent1">
+              <a:shade val="50000"/>
+            </a:schemeClr>
+          </a:lnRef>
+          <a:fillRef idx="1">
+            <a:schemeClr val="accent1"/>
+          </a:fillRef>
+          <a:effectRef idx="0">
+            <a:schemeClr val="accent1"/>
+          </a:effectRef>
+          <a:fontRef idx="minor">
+            <a:schemeClr val="lt1"/>
+          </a:fontRef>
+        </p:style>
+        <p:txBody>
+          <a:bodyPr rtlCol="0" anchor="ctr"/>
+          <a:lstStyle/>
+          <a:p>
+            <a:pPr marL="0" marR="0" lvl="0" indent="0" algn="ctr" defTabSz="914400" rtl="0" eaLnBrk="1" fontAlgn="auto" latinLnBrk="0" hangingPunct="1">
+              <a:lnSpc>
+                <a:spcPct val="100000"/>
+              </a:lnSpc>
+              <a:spcBef>
+                <a:spcPts val="0"/>
+              </a:spcBef>
+              <a:spcAft>
+                <a:spcPts val="0"/>
+              </a:spcAft>
+              <a:buClrTx/>
+              <a:buSzTx/>
+              <a:buFontTx/>
+              <a:buNone/>
+              <a:tabLst/>
+              <a:defRPr/>
+            </a:pPr>
+            <a:endParaRPr kumimoji="0" lang="zh-CN" altLang="en-US" sz="1800" b="0" i="0" u="none" strike="noStrike" kern="1200" cap="none" spc="0" normalizeH="0" baseline="0" noProof="0">
+              <a:ln>
+                <a:noFill/>
+              </a:ln>
+              <a:solidFill>
+                <a:prstClr val="white"/>
+              </a:solidFill>
+              <a:effectLst/>
+              <a:uLnTx/>
+              <a:uFillTx/>
+              <a:latin typeface="Calibri"/>
+              <a:ea typeface="微软雅黑" panose="020B0503020204020204" pitchFamily="34" charset="-122"/>
+              <a:cs typeface="+mn-cs"/>
+            </a:endParaRPr>
+          </a:p>
+        </p:txBody>
+      </p:sp>
+      <p:pic>
+        <p:nvPicPr>
+          <p:cNvPr id="4" name="图片 3">
+            <a:extLst>
+              <a:ext uri="{FF2B5EF4-FFF2-40B4-BE49-F238E27FC236}">
+                <a16:creationId xmlns:a16="http://schemas.microsoft.com/office/drawing/2014/main" id="{887BF82E-9ECA-62BA-B292-8BE4DF959883}"/>
+              </a:ext>
+            </a:extLst>
+          </p:cNvPr>
+          <p:cNvPicPr>
+            <a:picLocks noChangeAspect="1"/>
+          </p:cNvPicPr>
+          <p:nvPr/>
+        </p:nvPicPr>
+        <p:blipFill>
+          <a:blip r:embed="rId2"/>
+          <a:stretch>
+            <a:fillRect/>
+          </a:stretch>
+        </p:blipFill>
+        <p:spPr>
+          <a:xfrm>
+            <a:off x="11265327" y="-2"/>
+            <a:ext cx="926672" cy="926672"/>
+          </a:xfrm>
+          <a:prstGeom prst="rect">
+            <a:avLst/>
+          </a:prstGeom>
+        </p:spPr>
+      </p:pic>
+      <p:pic>
+        <p:nvPicPr>
+          <p:cNvPr id="5" name="图片 4">
+            <a:extLst>
+              <a:ext uri="{FF2B5EF4-FFF2-40B4-BE49-F238E27FC236}">
+                <a16:creationId xmlns:a16="http://schemas.microsoft.com/office/drawing/2014/main" id="{28BAF849-4161-A704-4259-82F074A3F3AC}"/>
+              </a:ext>
+            </a:extLst>
+          </p:cNvPr>
+          <p:cNvPicPr>
+            <a:picLocks noChangeAspect="1"/>
+          </p:cNvPicPr>
+          <p:nvPr/>
+        </p:nvPicPr>
+        <p:blipFill>
+          <a:blip r:embed="rId3"/>
+          <a:stretch>
+            <a:fillRect/>
+          </a:stretch>
+        </p:blipFill>
+        <p:spPr>
+          <a:xfrm>
+            <a:off x="1225827" y="1206696"/>
+            <a:ext cx="9157252" cy="3297938"/>
+          </a:xfrm>
+          <a:prstGeom prst="rect">
+            <a:avLst/>
+          </a:prstGeom>
+        </p:spPr>
+      </p:pic>
+    </p:spTree>
+    <p:extLst>
+      <p:ext uri="{BB962C8B-B14F-4D97-AF65-F5344CB8AC3E}">
+        <p14:creationId xmlns:p14="http://schemas.microsoft.com/office/powerpoint/2010/main" val="3254555071"/>
       </p:ext>
     </p:extLst>
   </p:cSld>

--- a/LBS_SMPL/LBS_SMPL.pptx
+++ b/LBS_SMPL/LBS_SMPL.pptx
@@ -220,7 +220,7 @@
           <a:p>
             <a:fld id="{54AC4CCD-EA9D-49BF-B5C8-ACDF8DD749B8}" type="datetimeFigureOut">
               <a:rPr lang="zh-CN" altLang="en-US" smtClean="0"/>
-              <a:t>2024-04-13</a:t>
+              <a:t>2024-04-14</a:t>
             </a:fld>
             <a:endParaRPr lang="zh-CN" altLang="en-US"/>
           </a:p>
@@ -718,7 +718,7 @@
           <a:p>
             <a:fld id="{F6FBBD45-748A-4953-9F37-4B072DEE542B}" type="datetimeFigureOut">
               <a:rPr lang="zh-CN" altLang="en-US" smtClean="0"/>
-              <a:t>2024-04-13</a:t>
+              <a:t>2024-04-14</a:t>
             </a:fld>
             <a:endParaRPr lang="zh-CN" altLang="en-US"/>
           </a:p>
@@ -916,7 +916,7 @@
           <a:p>
             <a:fld id="{F6FBBD45-748A-4953-9F37-4B072DEE542B}" type="datetimeFigureOut">
               <a:rPr lang="zh-CN" altLang="en-US" smtClean="0"/>
-              <a:t>2024-04-13</a:t>
+              <a:t>2024-04-14</a:t>
             </a:fld>
             <a:endParaRPr lang="zh-CN" altLang="en-US"/>
           </a:p>
@@ -1124,7 +1124,7 @@
           <a:p>
             <a:fld id="{F6FBBD45-748A-4953-9F37-4B072DEE542B}" type="datetimeFigureOut">
               <a:rPr lang="zh-CN" altLang="en-US" smtClean="0"/>
-              <a:t>2024-04-13</a:t>
+              <a:t>2024-04-14</a:t>
             </a:fld>
             <a:endParaRPr lang="zh-CN" altLang="en-US"/>
           </a:p>
@@ -1326,7 +1326,7 @@
           <a:p>
             <a:fld id="{D997B5FA-0921-464F-AAE1-844C04324D75}" type="datetimeFigureOut">
               <a:rPr lang="zh-CN" altLang="en-US" smtClean="0"/>
-              <a:t>2024-04-13</a:t>
+              <a:t>2024-04-14</a:t>
             </a:fld>
             <a:endParaRPr lang="zh-CN" altLang="en-US"/>
           </a:p>
@@ -1495,7 +1495,7 @@
           <a:p>
             <a:fld id="{D997B5FA-0921-464F-AAE1-844C04324D75}" type="datetimeFigureOut">
               <a:rPr lang="zh-CN" altLang="en-US" smtClean="0"/>
-              <a:t>2024-04-13</a:t>
+              <a:t>2024-04-14</a:t>
             </a:fld>
             <a:endParaRPr lang="zh-CN" altLang="en-US"/>
           </a:p>
@@ -1741,7 +1741,7 @@
           <a:p>
             <a:fld id="{D997B5FA-0921-464F-AAE1-844C04324D75}" type="datetimeFigureOut">
               <a:rPr lang="zh-CN" altLang="en-US" smtClean="0"/>
-              <a:t>2024-04-13</a:t>
+              <a:t>2024-04-14</a:t>
             </a:fld>
             <a:endParaRPr lang="zh-CN" altLang="en-US"/>
           </a:p>
@@ -1971,7 +1971,7 @@
           <a:p>
             <a:fld id="{D997B5FA-0921-464F-AAE1-844C04324D75}" type="datetimeFigureOut">
               <a:rPr lang="zh-CN" altLang="en-US" smtClean="0"/>
-              <a:t>2024-04-13</a:t>
+              <a:t>2024-04-14</a:t>
             </a:fld>
             <a:endParaRPr lang="zh-CN" altLang="en-US"/>
           </a:p>
@@ -2336,7 +2336,7 @@
           <a:p>
             <a:fld id="{D997B5FA-0921-464F-AAE1-844C04324D75}" type="datetimeFigureOut">
               <a:rPr lang="zh-CN" altLang="en-US" smtClean="0"/>
-              <a:t>2024-04-13</a:t>
+              <a:t>2024-04-14</a:t>
             </a:fld>
             <a:endParaRPr lang="zh-CN" altLang="en-US"/>
           </a:p>
@@ -2454,7 +2454,7 @@
           <a:p>
             <a:fld id="{D997B5FA-0921-464F-AAE1-844C04324D75}" type="datetimeFigureOut">
               <a:rPr lang="zh-CN" altLang="en-US" smtClean="0"/>
-              <a:t>2024-04-13</a:t>
+              <a:t>2024-04-14</a:t>
             </a:fld>
             <a:endParaRPr lang="zh-CN" altLang="en-US"/>
           </a:p>
@@ -2550,7 +2550,7 @@
           <a:p>
             <a:fld id="{D997B5FA-0921-464F-AAE1-844C04324D75}" type="datetimeFigureOut">
               <a:rPr lang="zh-CN" altLang="en-US" smtClean="0"/>
-              <a:t>2024-04-13</a:t>
+              <a:t>2024-04-14</a:t>
             </a:fld>
             <a:endParaRPr lang="zh-CN" altLang="en-US"/>
           </a:p>
@@ -2826,7 +2826,7 @@
           <a:p>
             <a:fld id="{D997B5FA-0921-464F-AAE1-844C04324D75}" type="datetimeFigureOut">
               <a:rPr lang="zh-CN" altLang="en-US" smtClean="0"/>
-              <a:t>2024-04-13</a:t>
+              <a:t>2024-04-14</a:t>
             </a:fld>
             <a:endParaRPr lang="zh-CN" altLang="en-US"/>
           </a:p>
@@ -3013,7 +3013,7 @@
           <a:p>
             <a:fld id="{F6FBBD45-748A-4953-9F37-4B072DEE542B}" type="datetimeFigureOut">
               <a:rPr lang="zh-CN" altLang="en-US" smtClean="0"/>
-              <a:t>2024-04-13</a:t>
+              <a:t>2024-04-14</a:t>
             </a:fld>
             <a:endParaRPr lang="zh-CN" altLang="en-US"/>
           </a:p>
@@ -3277,7 +3277,7 @@
           <a:p>
             <a:fld id="{D997B5FA-0921-464F-AAE1-844C04324D75}" type="datetimeFigureOut">
               <a:rPr lang="zh-CN" altLang="en-US" smtClean="0"/>
-              <a:t>2024-04-13</a:t>
+              <a:t>2024-04-14</a:t>
             </a:fld>
             <a:endParaRPr lang="zh-CN" altLang="en-US"/>
           </a:p>
@@ -3446,7 +3446,7 @@
           <a:p>
             <a:fld id="{D997B5FA-0921-464F-AAE1-844C04324D75}" type="datetimeFigureOut">
               <a:rPr lang="zh-CN" altLang="en-US" smtClean="0"/>
-              <a:t>2024-04-13</a:t>
+              <a:t>2024-04-14</a:t>
             </a:fld>
             <a:endParaRPr lang="zh-CN" altLang="en-US"/>
           </a:p>
@@ -3625,7 +3625,7 @@
           <a:p>
             <a:fld id="{D997B5FA-0921-464F-AAE1-844C04324D75}" type="datetimeFigureOut">
               <a:rPr lang="zh-CN" altLang="en-US" smtClean="0"/>
-              <a:t>2024-04-13</a:t>
+              <a:t>2024-04-14</a:t>
             </a:fld>
             <a:endParaRPr lang="zh-CN" altLang="en-US"/>
           </a:p>
@@ -3946,7 +3946,7 @@
           <a:p>
             <a:fld id="{F6FBBD45-748A-4953-9F37-4B072DEE542B}" type="datetimeFigureOut">
               <a:rPr lang="zh-CN" altLang="en-US" smtClean="0"/>
-              <a:t>2024-04-13</a:t>
+              <a:t>2024-04-14</a:t>
             </a:fld>
             <a:endParaRPr lang="zh-CN" altLang="en-US"/>
           </a:p>
@@ -4211,7 +4211,7 @@
           <a:p>
             <a:fld id="{F6FBBD45-748A-4953-9F37-4B072DEE542B}" type="datetimeFigureOut">
               <a:rPr lang="zh-CN" altLang="en-US" smtClean="0"/>
-              <a:t>2024-04-13</a:t>
+              <a:t>2024-04-14</a:t>
             </a:fld>
             <a:endParaRPr lang="zh-CN" altLang="en-US"/>
           </a:p>
@@ -4623,7 +4623,7 @@
           <a:p>
             <a:fld id="{F6FBBD45-748A-4953-9F37-4B072DEE542B}" type="datetimeFigureOut">
               <a:rPr lang="zh-CN" altLang="en-US" smtClean="0"/>
-              <a:t>2024-04-13</a:t>
+              <a:t>2024-04-14</a:t>
             </a:fld>
             <a:endParaRPr lang="zh-CN" altLang="en-US"/>
           </a:p>
@@ -4764,7 +4764,7 @@
           <a:p>
             <a:fld id="{F6FBBD45-748A-4953-9F37-4B072DEE542B}" type="datetimeFigureOut">
               <a:rPr lang="zh-CN" altLang="en-US" smtClean="0"/>
-              <a:t>2024-04-13</a:t>
+              <a:t>2024-04-14</a:t>
             </a:fld>
             <a:endParaRPr lang="zh-CN" altLang="en-US"/>
           </a:p>
@@ -4877,7 +4877,7 @@
           <a:p>
             <a:fld id="{F6FBBD45-748A-4953-9F37-4B072DEE542B}" type="datetimeFigureOut">
               <a:rPr lang="zh-CN" altLang="en-US" smtClean="0"/>
-              <a:t>2024-04-13</a:t>
+              <a:t>2024-04-14</a:t>
             </a:fld>
             <a:endParaRPr lang="zh-CN" altLang="en-US"/>
           </a:p>
@@ -5188,7 +5188,7 @@
           <a:p>
             <a:fld id="{F6FBBD45-748A-4953-9F37-4B072DEE542B}" type="datetimeFigureOut">
               <a:rPr lang="zh-CN" altLang="en-US" smtClean="0"/>
-              <a:t>2024-04-13</a:t>
+              <a:t>2024-04-14</a:t>
             </a:fld>
             <a:endParaRPr lang="zh-CN" altLang="en-US"/>
           </a:p>
@@ -5476,7 +5476,7 @@
           <a:p>
             <a:fld id="{F6FBBD45-748A-4953-9F37-4B072DEE542B}" type="datetimeFigureOut">
               <a:rPr lang="zh-CN" altLang="en-US" smtClean="0"/>
-              <a:t>2024-04-13</a:t>
+              <a:t>2024-04-14</a:t>
             </a:fld>
             <a:endParaRPr lang="zh-CN" altLang="en-US"/>
           </a:p>
@@ -5717,7 +5717,7 @@
           <a:p>
             <a:fld id="{F6FBBD45-748A-4953-9F37-4B072DEE542B}" type="datetimeFigureOut">
               <a:rPr lang="zh-CN" altLang="en-US" smtClean="0"/>
-              <a:t>2024-04-13</a:t>
+              <a:t>2024-04-14</a:t>
             </a:fld>
             <a:endParaRPr lang="zh-CN" altLang="en-US"/>
           </a:p>
@@ -6278,7 +6278,7 @@
           <a:p>
             <a:fld id="{D997B5FA-0921-464F-AAE1-844C04324D75}" type="datetimeFigureOut">
               <a:rPr lang="zh-CN" altLang="en-US" smtClean="0"/>
-              <a:t>2024-04-13</a:t>
+              <a:t>2024-04-14</a:t>
             </a:fld>
             <a:endParaRPr lang="zh-CN" altLang="en-US"/>
           </a:p>
@@ -6851,7 +6851,7 @@
               <a:defRPr/>
             </a:pPr>
             <a:r>
-              <a:rPr lang="en-US" altLang="zh-CN" sz="5400" dirty="0">
+              <a:rPr lang="en-US" altLang="zh-CN" sz="5400">
                 <a:solidFill>
                   <a:prstClr val="white"/>
                 </a:solidFill>
